--- a/[报告] SemEval 2019 Task 6.pptx
+++ b/[报告] SemEval 2019 Task 6.pptx
@@ -5,18 +5,20 @@
     <p:sldMasterId id="2147483660" r:id="rId1"/>
   </p:sldMasterIdLst>
   <p:notesMasterIdLst>
-    <p:notesMasterId r:id="rId11"/>
+    <p:notesMasterId r:id="rId13"/>
   </p:notesMasterIdLst>
   <p:sldIdLst>
     <p:sldId id="267" r:id="rId2"/>
     <p:sldId id="262" r:id="rId3"/>
     <p:sldId id="266" r:id="rId4"/>
-    <p:sldId id="268" r:id="rId5"/>
-    <p:sldId id="264" r:id="rId6"/>
-    <p:sldId id="265" r:id="rId7"/>
-    <p:sldId id="257" r:id="rId8"/>
-    <p:sldId id="258" r:id="rId9"/>
-    <p:sldId id="259" r:id="rId10"/>
+    <p:sldId id="269" r:id="rId5"/>
+    <p:sldId id="268" r:id="rId6"/>
+    <p:sldId id="264" r:id="rId7"/>
+    <p:sldId id="265" r:id="rId8"/>
+    <p:sldId id="270" r:id="rId9"/>
+    <p:sldId id="257" r:id="rId10"/>
+    <p:sldId id="258" r:id="rId11"/>
+    <p:sldId id="259" r:id="rId12"/>
   </p:sldIdLst>
   <p:sldSz cx="12192000" cy="6858000"/>
   <p:notesSz cx="6858000" cy="9144000"/>
@@ -208,7 +210,7 @@
           <a:p>
             <a:fld id="{9EE31F0F-F8A7-9A43-B401-B7727186A75D}" type="datetimeFigureOut">
               <a:rPr kumimoji="1" lang="zh-CN" altLang="en-US" smtClean="0"/>
-              <a:t>2018/9/6</a:t>
+              <a:t>2018/11/22</a:t>
             </a:fld>
             <a:endParaRPr kumimoji="1" lang="zh-CN" altLang="en-US"/>
           </a:p>
@@ -476,6 +478,90 @@
 </p:notesMaster>
 </file>
 
+<file path=ppt/notesSlides/notesSlide1.xml><?xml version="1.0" encoding="utf-8"?>
+<p:notes xmlns:a="http://schemas.openxmlformats.org/drawingml/2006/main" xmlns:r="http://schemas.openxmlformats.org/officeDocument/2006/relationships" xmlns:p="http://schemas.openxmlformats.org/presentationml/2006/main">
+  <p:cSld>
+    <p:spTree>
+      <p:nvGrpSpPr>
+        <p:cNvPr id="1" name=""/>
+        <p:cNvGrpSpPr/>
+        <p:nvPr/>
+      </p:nvGrpSpPr>
+      <p:grpSpPr>
+        <a:xfrm>
+          <a:off x="0" y="0"/>
+          <a:ext cx="0" cy="0"/>
+          <a:chOff x="0" y="0"/>
+          <a:chExt cx="0" cy="0"/>
+        </a:xfrm>
+      </p:grpSpPr>
+      <p:sp>
+        <p:nvSpPr>
+          <p:cNvPr id="2" name="幻灯片图像占位符 1"/>
+          <p:cNvSpPr>
+            <a:spLocks noGrp="1" noRot="1" noChangeAspect="1"/>
+          </p:cNvSpPr>
+          <p:nvPr>
+            <p:ph type="sldImg"/>
+          </p:nvPr>
+        </p:nvSpPr>
+        <p:spPr/>
+      </p:sp>
+      <p:sp>
+        <p:nvSpPr>
+          <p:cNvPr id="3" name="备注占位符 2"/>
+          <p:cNvSpPr>
+            <a:spLocks noGrp="1"/>
+          </p:cNvSpPr>
+          <p:nvPr>
+            <p:ph type="body" idx="1"/>
+          </p:nvPr>
+        </p:nvSpPr>
+        <p:spPr/>
+        <p:txBody>
+          <a:bodyPr/>
+          <a:lstStyle/>
+          <a:p>
+            <a:endParaRPr kumimoji="1" lang="zh-CN" altLang="en-US" dirty="0"/>
+          </a:p>
+        </p:txBody>
+      </p:sp>
+      <p:sp>
+        <p:nvSpPr>
+          <p:cNvPr id="4" name="幻灯片编号占位符 3"/>
+          <p:cNvSpPr>
+            <a:spLocks noGrp="1"/>
+          </p:cNvSpPr>
+          <p:nvPr>
+            <p:ph type="sldNum" sz="quarter" idx="10"/>
+          </p:nvPr>
+        </p:nvSpPr>
+        <p:spPr/>
+        <p:txBody>
+          <a:bodyPr/>
+          <a:lstStyle/>
+          <a:p>
+            <a:fld id="{D209BD05-63A1-6340-AA5B-4B8479DB6A99}" type="slidenum">
+              <a:rPr kumimoji="1" lang="zh-CN" altLang="en-US" smtClean="0"/>
+              <a:t>4</a:t>
+            </a:fld>
+            <a:endParaRPr kumimoji="1" lang="zh-CN" altLang="en-US"/>
+          </a:p>
+        </p:txBody>
+      </p:sp>
+    </p:spTree>
+    <p:extLst>
+      <p:ext uri="{BB962C8B-B14F-4D97-AF65-F5344CB8AC3E}">
+        <p14:creationId xmlns:p14="http://schemas.microsoft.com/office/powerpoint/2010/main" val="1152137150"/>
+      </p:ext>
+    </p:extLst>
+  </p:cSld>
+  <p:clrMapOvr>
+    <a:masterClrMapping/>
+  </p:clrMapOvr>
+</p:notes>
+</file>
+
 <file path=ppt/slideLayouts/slideLayout1.xml><?xml version="1.0" encoding="utf-8"?>
 <p:sldLayout xmlns:a="http://schemas.openxmlformats.org/drawingml/2006/main" xmlns:r="http://schemas.openxmlformats.org/officeDocument/2006/relationships" xmlns:p="http://schemas.openxmlformats.org/presentationml/2006/main" showMasterSp="0" type="title" preserve="1">
   <p:cSld name="标题幻灯片">
@@ -702,7 +788,7 @@
           <a:p>
             <a:fld id="{E02AC59C-C032-D047-AF73-28EA3771941F}" type="datetimeFigureOut">
               <a:rPr kumimoji="1" lang="zh-CN" altLang="en-US" smtClean="0"/>
-              <a:t>2018/9/6</a:t>
+              <a:t>2018/11/22</a:t>
             </a:fld>
             <a:endParaRPr kumimoji="1" lang="zh-CN" altLang="en-US"/>
           </a:p>
@@ -910,7 +996,7 @@
           <a:p>
             <a:fld id="{E02AC59C-C032-D047-AF73-28EA3771941F}" type="datetimeFigureOut">
               <a:rPr kumimoji="1" lang="zh-CN" altLang="en-US" smtClean="0"/>
-              <a:t>2018/9/6</a:t>
+              <a:t>2018/11/22</a:t>
             </a:fld>
             <a:endParaRPr kumimoji="1" lang="zh-CN" altLang="en-US"/>
           </a:p>
@@ -1166,7 +1252,7 @@
           <a:p>
             <a:fld id="{E02AC59C-C032-D047-AF73-28EA3771941F}" type="datetimeFigureOut">
               <a:rPr kumimoji="1" lang="zh-CN" altLang="en-US" smtClean="0"/>
-              <a:t>2018/9/6</a:t>
+              <a:t>2018/11/22</a:t>
             </a:fld>
             <a:endParaRPr kumimoji="1" lang="zh-CN" altLang="en-US"/>
           </a:p>
@@ -1340,7 +1426,7 @@
           <a:p>
             <a:fld id="{E02AC59C-C032-D047-AF73-28EA3771941F}" type="datetimeFigureOut">
               <a:rPr kumimoji="1" lang="zh-CN" altLang="en-US" smtClean="0"/>
-              <a:t>2018/9/6</a:t>
+              <a:t>2018/11/22</a:t>
             </a:fld>
             <a:endParaRPr kumimoji="1" lang="zh-CN" altLang="en-US"/>
           </a:p>
@@ -1683,7 +1769,7 @@
           <a:p>
             <a:fld id="{E02AC59C-C032-D047-AF73-28EA3771941F}" type="datetimeFigureOut">
               <a:rPr kumimoji="1" lang="zh-CN" altLang="en-US" smtClean="0"/>
-              <a:t>2018/9/6</a:t>
+              <a:t>2018/11/22</a:t>
             </a:fld>
             <a:endParaRPr kumimoji="1" lang="zh-CN" altLang="en-US"/>
           </a:p>
@@ -1958,7 +2044,7 @@
           <a:p>
             <a:fld id="{E02AC59C-C032-D047-AF73-28EA3771941F}" type="datetimeFigureOut">
               <a:rPr kumimoji="1" lang="zh-CN" altLang="en-US" smtClean="0"/>
-              <a:t>2018/9/6</a:t>
+              <a:t>2018/11/22</a:t>
             </a:fld>
             <a:endParaRPr kumimoji="1" lang="zh-CN" altLang="en-US"/>
           </a:p>
@@ -2337,7 +2423,7 @@
           <a:p>
             <a:fld id="{E02AC59C-C032-D047-AF73-28EA3771941F}" type="datetimeFigureOut">
               <a:rPr kumimoji="1" lang="zh-CN" altLang="en-US" smtClean="0"/>
-              <a:t>2018/9/6</a:t>
+              <a:t>2018/11/22</a:t>
             </a:fld>
             <a:endParaRPr kumimoji="1" lang="zh-CN" altLang="en-US"/>
           </a:p>
@@ -2455,7 +2541,7 @@
           <a:p>
             <a:fld id="{E02AC59C-C032-D047-AF73-28EA3771941F}" type="datetimeFigureOut">
               <a:rPr kumimoji="1" lang="zh-CN" altLang="en-US" smtClean="0"/>
-              <a:t>2018/9/6</a:t>
+              <a:t>2018/11/22</a:t>
             </a:fld>
             <a:endParaRPr kumimoji="1" lang="zh-CN" altLang="en-US"/>
           </a:p>
@@ -2626,7 +2712,7 @@
           <a:p>
             <a:fld id="{E02AC59C-C032-D047-AF73-28EA3771941F}" type="datetimeFigureOut">
               <a:rPr kumimoji="1" lang="zh-CN" altLang="en-US" smtClean="0"/>
-              <a:t>2018/9/6</a:t>
+              <a:t>2018/11/22</a:t>
             </a:fld>
             <a:endParaRPr kumimoji="1" lang="zh-CN" altLang="en-US"/>
           </a:p>
@@ -2980,7 +3066,7 @@
           <a:p>
             <a:fld id="{E02AC59C-C032-D047-AF73-28EA3771941F}" type="datetimeFigureOut">
               <a:rPr kumimoji="1" lang="zh-CN" altLang="en-US" smtClean="0"/>
-              <a:t>2018/9/6</a:t>
+              <a:t>2018/11/22</a:t>
             </a:fld>
             <a:endParaRPr kumimoji="1" lang="zh-CN" altLang="en-US"/>
           </a:p>
@@ -3362,7 +3448,7 @@
           <a:p>
             <a:fld id="{E02AC59C-C032-D047-AF73-28EA3771941F}" type="datetimeFigureOut">
               <a:rPr kumimoji="1" lang="zh-CN" altLang="en-US" smtClean="0"/>
-              <a:t>2018/9/6</a:t>
+              <a:t>2018/11/22</a:t>
             </a:fld>
             <a:endParaRPr kumimoji="1" lang="zh-CN" altLang="en-US"/>
           </a:p>
@@ -3649,7 +3735,7 @@
           <a:p>
             <a:fld id="{E02AC59C-C032-D047-AF73-28EA3771941F}" type="datetimeFigureOut">
               <a:rPr kumimoji="1" lang="zh-CN" altLang="en-US" smtClean="0"/>
-              <a:t>2018/9/6</a:t>
+              <a:t>2018/11/22</a:t>
             </a:fld>
             <a:endParaRPr kumimoji="1" lang="zh-CN" altLang="en-US"/>
           </a:p>
@@ -4287,1176 +4373,7 @@
 </p:sld>
 </file>
 
-<file path=ppt/slides/slide2.xml><?xml version="1.0" encoding="utf-8"?>
-<p:sld xmlns:a="http://schemas.openxmlformats.org/drawingml/2006/main" xmlns:r="http://schemas.openxmlformats.org/officeDocument/2006/relationships" xmlns:p="http://schemas.openxmlformats.org/presentationml/2006/main">
-  <p:cSld>
-    <p:spTree>
-      <p:nvGrpSpPr>
-        <p:cNvPr id="1" name=""/>
-        <p:cNvGrpSpPr/>
-        <p:nvPr/>
-      </p:nvGrpSpPr>
-      <p:grpSpPr>
-        <a:xfrm>
-          <a:off x="0" y="0"/>
-          <a:ext cx="0" cy="0"/>
-          <a:chOff x="0" y="0"/>
-          <a:chExt cx="0" cy="0"/>
-        </a:xfrm>
-      </p:grpSpPr>
-      <p:sp>
-        <p:nvSpPr>
-          <p:cNvPr id="2" name="标题 1"/>
-          <p:cNvSpPr>
-            <a:spLocks noGrp="1"/>
-          </p:cNvSpPr>
-          <p:nvPr>
-            <p:ph type="title"/>
-          </p:nvPr>
-        </p:nvSpPr>
-        <p:spPr/>
-        <p:txBody>
-          <a:bodyPr>
-            <a:normAutofit/>
-          </a:bodyPr>
-          <a:lstStyle/>
-          <a:p>
-            <a:pPr fontAlgn="base"/>
-            <a:r>
-              <a:rPr lang="en-US" altLang="zh-CN" sz="4000" b="1" dirty="0"/>
-              <a:t>Opinion, emotion and abusive language </a:t>
-            </a:r>
-            <a:r>
-              <a:rPr lang="en-US" altLang="zh-CN" sz="4000" b="1" dirty="0" smtClean="0"/>
-              <a:t>detection</a:t>
-            </a:r>
-            <a:endParaRPr kumimoji="1" lang="zh-CN" altLang="en-US" sz="4000" dirty="0"/>
-          </a:p>
-        </p:txBody>
-      </p:sp>
-      <p:sp>
-        <p:nvSpPr>
-          <p:cNvPr id="3" name="内容占位符 2"/>
-          <p:cNvSpPr>
-            <a:spLocks noGrp="1"/>
-          </p:cNvSpPr>
-          <p:nvPr>
-            <p:ph idx="1"/>
-          </p:nvPr>
-        </p:nvSpPr>
-        <p:spPr/>
-        <p:txBody>
-          <a:bodyPr/>
-          <a:lstStyle/>
-          <a:p>
-            <a:pPr fontAlgn="base"/>
-            <a:endParaRPr lang="en-US" altLang="zh-CN" dirty="0" smtClean="0"/>
-          </a:p>
-          <a:p>
-            <a:pPr fontAlgn="base"/>
-            <a:r>
-              <a:rPr lang="en-US" altLang="zh-CN" dirty="0" smtClean="0"/>
-              <a:t>Task </a:t>
-            </a:r>
-            <a:r>
-              <a:rPr lang="en-US" altLang="zh-CN" dirty="0"/>
-              <a:t>3: </a:t>
-            </a:r>
-            <a:r>
-              <a:rPr lang="en-US" altLang="zh-CN" dirty="0">
-                <a:hlinkClick r:id="rId2"/>
-              </a:rPr>
-              <a:t>EmoContext: Contextual Emotion Detection in </a:t>
-            </a:r>
-            <a:r>
-              <a:rPr lang="en-US" altLang="zh-CN" dirty="0" smtClean="0">
-                <a:hlinkClick r:id="rId2"/>
-              </a:rPr>
-              <a:t>Text</a:t>
-            </a:r>
-            <a:endParaRPr lang="en-US" altLang="zh-CN" dirty="0"/>
-          </a:p>
-          <a:p>
-            <a:pPr fontAlgn="base"/>
-            <a:r>
-              <a:rPr lang="en-US" altLang="zh-CN" dirty="0" smtClean="0"/>
-              <a:t>Task </a:t>
-            </a:r>
-            <a:r>
-              <a:rPr lang="en-US" altLang="zh-CN" dirty="0"/>
-              <a:t>4: </a:t>
-            </a:r>
-            <a:r>
-              <a:rPr lang="en-US" altLang="zh-CN" dirty="0">
-                <a:hlinkClick r:id="rId3"/>
-              </a:rPr>
-              <a:t>Hyperpartisan News Detection</a:t>
-            </a:r>
-            <a:r>
-              <a:rPr lang="en-US" altLang="zh-CN" dirty="0"/>
-              <a:t> </a:t>
-            </a:r>
-            <a:endParaRPr lang="en-US" altLang="zh-CN" dirty="0" smtClean="0"/>
-          </a:p>
-          <a:p>
-            <a:pPr fontAlgn="base"/>
-            <a:r>
-              <a:rPr lang="en-US" altLang="zh-CN" dirty="0" smtClean="0"/>
-              <a:t>Task 5: </a:t>
-            </a:r>
-            <a:r>
-              <a:rPr lang="en-US" altLang="zh-CN" dirty="0" smtClean="0">
-                <a:hlinkClick r:id="rId4"/>
-              </a:rPr>
-              <a:t>HatEval: Multilingual Detection of Hate Speech Against Immigrants and Women in Twitter</a:t>
-            </a:r>
-            <a:endParaRPr lang="en-US" altLang="zh-CN" dirty="0" smtClean="0"/>
-          </a:p>
-          <a:p>
-            <a:pPr fontAlgn="base"/>
-            <a:r>
-              <a:rPr lang="en-US" altLang="zh-CN" dirty="0" smtClean="0"/>
-              <a:t>Task </a:t>
-            </a:r>
-            <a:r>
-              <a:rPr lang="en-US" altLang="zh-CN" dirty="0"/>
-              <a:t>6: </a:t>
-            </a:r>
-            <a:r>
-              <a:rPr lang="en-US" altLang="zh-CN" dirty="0">
-                <a:hlinkClick r:id="rId5"/>
-              </a:rPr>
-              <a:t>OffensEval: Identifying and Categorizing Offensive Language in Social Media</a:t>
-            </a:r>
-            <a:r>
-              <a:rPr lang="en-US" altLang="zh-CN" dirty="0"/>
-              <a:t> </a:t>
-            </a:r>
-            <a:endParaRPr kumimoji="1" lang="zh-CN" altLang="en-US" dirty="0"/>
-          </a:p>
-        </p:txBody>
-      </p:sp>
-    </p:spTree>
-    <p:extLst>
-      <p:ext uri="{BB962C8B-B14F-4D97-AF65-F5344CB8AC3E}">
-        <p14:creationId xmlns:p14="http://schemas.microsoft.com/office/powerpoint/2010/main" val="889004657"/>
-      </p:ext>
-    </p:extLst>
-  </p:cSld>
-  <p:clrMapOvr>
-    <a:masterClrMapping/>
-  </p:clrMapOvr>
-  <p:timing>
-    <p:tnLst>
-      <p:par>
-        <p:cTn id="1" dur="indefinite" restart="never" nodeType="tmRoot"/>
-      </p:par>
-    </p:tnLst>
-  </p:timing>
-</p:sld>
-</file>
-
-<file path=ppt/slides/slide3.xml><?xml version="1.0" encoding="utf-8"?>
-<p:sld xmlns:a="http://schemas.openxmlformats.org/drawingml/2006/main" xmlns:r="http://schemas.openxmlformats.org/officeDocument/2006/relationships" xmlns:p="http://schemas.openxmlformats.org/presentationml/2006/main">
-  <p:cSld>
-    <p:spTree>
-      <p:nvGrpSpPr>
-        <p:cNvPr id="1" name=""/>
-        <p:cNvGrpSpPr/>
-        <p:nvPr/>
-      </p:nvGrpSpPr>
-      <p:grpSpPr>
-        <a:xfrm>
-          <a:off x="0" y="0"/>
-          <a:ext cx="0" cy="0"/>
-          <a:chOff x="0" y="0"/>
-          <a:chExt cx="0" cy="0"/>
-        </a:xfrm>
-      </p:grpSpPr>
-      <p:sp>
-        <p:nvSpPr>
-          <p:cNvPr id="2" name="标题 1"/>
-          <p:cNvSpPr>
-            <a:spLocks noGrp="1"/>
-          </p:cNvSpPr>
-          <p:nvPr>
-            <p:ph type="title"/>
-          </p:nvPr>
-        </p:nvSpPr>
-        <p:spPr/>
-        <p:txBody>
-          <a:bodyPr/>
-          <a:lstStyle/>
-          <a:p>
-            <a:r>
-              <a:rPr kumimoji="1" lang="en-US" altLang="zh-CN" dirty="0"/>
-              <a:t>Task 3: </a:t>
-            </a:r>
-            <a:r>
-              <a:rPr kumimoji="1" lang="en-US" altLang="zh-CN" dirty="0" err="1"/>
-              <a:t>EmoContext</a:t>
-            </a:r>
-            <a:r>
-              <a:rPr kumimoji="1" lang="en-US" altLang="zh-CN" dirty="0"/>
-              <a:t>: Contextual Emotion Detection in Text</a:t>
-            </a:r>
-            <a:endParaRPr kumimoji="1" lang="zh-CN" altLang="en-US" dirty="0"/>
-          </a:p>
-        </p:txBody>
-      </p:sp>
-      <p:sp>
-        <p:nvSpPr>
-          <p:cNvPr id="3" name="内容占位符 2"/>
-          <p:cNvSpPr>
-            <a:spLocks noGrp="1"/>
-          </p:cNvSpPr>
-          <p:nvPr>
-            <p:ph idx="1"/>
-          </p:nvPr>
-        </p:nvSpPr>
-        <p:spPr/>
-        <p:txBody>
-          <a:bodyPr>
-            <a:normAutofit fontScale="92500" lnSpcReduction="10000"/>
-          </a:bodyPr>
-          <a:lstStyle/>
-          <a:p>
-            <a:endParaRPr kumimoji="1" lang="en-US" altLang="zh-CN" dirty="0"/>
-          </a:p>
-          <a:p>
-            <a:r>
-              <a:rPr lang="en-US" altLang="zh-CN" dirty="0"/>
-              <a:t>Task Description</a:t>
-            </a:r>
-          </a:p>
-          <a:p>
-            <a:pPr lvl="1"/>
-            <a:r>
-              <a:rPr lang="en-US" altLang="zh-CN" dirty="0"/>
-              <a:t>In this task, you are given a textual dialogue i.e. a user utterance along with two turns of context, you have to classify the emotion of user utterance as one of the emotion classes: </a:t>
-            </a:r>
-            <a:r>
-              <a:rPr lang="en-US" altLang="zh-CN" b="1" dirty="0">
-                <a:solidFill>
-                  <a:srgbClr val="0070C0"/>
-                </a:solidFill>
-              </a:rPr>
-              <a:t>Happy, Sad, Angry or Others. ​</a:t>
-            </a:r>
-            <a:r>
-              <a:rPr lang="en-US" altLang="zh-CN" dirty="0"/>
-              <a:t/>
-            </a:r>
-            <a:br>
-              <a:rPr lang="en-US" altLang="zh-CN" dirty="0"/>
-            </a:br>
-            <a:r>
-              <a:rPr lang="en-US" altLang="zh-CN" dirty="0"/>
-              <a:t>​</a:t>
-            </a:r>
-          </a:p>
-          <a:p>
-            <a:r>
-              <a:rPr lang="en-US" altLang="zh-CN" dirty="0"/>
-              <a:t>Data Set</a:t>
-            </a:r>
-          </a:p>
-          <a:p>
-            <a:pPr lvl="1"/>
-            <a:r>
-              <a:rPr lang="en-US" altLang="zh-CN" dirty="0"/>
-              <a:t>The training data set will contain 15K records for emotion classes i.e., Happy, Sad and Angry combined. </a:t>
-            </a:r>
-            <a:endParaRPr lang="en-US" altLang="zh-CN" dirty="0" smtClean="0"/>
-          </a:p>
-          <a:p>
-            <a:pPr lvl="1"/>
-            <a:r>
-              <a:rPr lang="en-US" altLang="zh-CN" dirty="0" smtClean="0"/>
-              <a:t>It </a:t>
-            </a:r>
-            <a:r>
-              <a:rPr lang="en-US" altLang="zh-CN" dirty="0"/>
-              <a:t>also contains 15K records not belonging to any of the aforementioned emotion classes</a:t>
-            </a:r>
-            <a:r>
-              <a:rPr lang="en-US" altLang="zh-CN" dirty="0" smtClean="0"/>
-              <a:t>.</a:t>
-            </a:r>
-          </a:p>
-          <a:p>
-            <a:pPr lvl="1"/>
-            <a:r>
-              <a:rPr lang="en-US" altLang="zh-CN" dirty="0" smtClean="0"/>
-              <a:t>Test </a:t>
-            </a:r>
-            <a:r>
-              <a:rPr lang="en-US" altLang="zh-CN" dirty="0"/>
-              <a:t>Data will be released as well. Data set can be accessed by joining LinkedIn group </a:t>
-            </a:r>
-            <a:r>
-              <a:rPr lang="en-US" altLang="zh-CN" dirty="0">
-                <a:hlinkClick r:id="rId2"/>
-              </a:rPr>
-              <a:t>here</a:t>
-            </a:r>
-            <a:r>
-              <a:rPr lang="en-US" altLang="zh-CN" dirty="0"/>
-              <a:t>.​</a:t>
-            </a:r>
-          </a:p>
-          <a:p>
-            <a:endParaRPr kumimoji="1" lang="en-US" altLang="zh-CN" dirty="0" smtClean="0"/>
-          </a:p>
-          <a:p>
-            <a:endParaRPr kumimoji="1" lang="en-US" altLang="zh-CN" dirty="0" smtClean="0"/>
-          </a:p>
-          <a:p>
-            <a:r>
-              <a:rPr kumimoji="1" lang="en-US" altLang="zh-CN" dirty="0">
-                <a:hlinkClick r:id="rId3"/>
-              </a:rPr>
-              <a:t>https://www.humanizing-ai.com/emocontext.html</a:t>
-            </a:r>
-            <a:endParaRPr kumimoji="1" lang="en-US" altLang="zh-CN" dirty="0"/>
-          </a:p>
-          <a:p>
-            <a:endParaRPr kumimoji="1" lang="zh-CN" altLang="en-US" dirty="0"/>
-          </a:p>
-        </p:txBody>
-      </p:sp>
-    </p:spTree>
-    <p:extLst>
-      <p:ext uri="{BB962C8B-B14F-4D97-AF65-F5344CB8AC3E}">
-        <p14:creationId xmlns:p14="http://schemas.microsoft.com/office/powerpoint/2010/main" val="1435678784"/>
-      </p:ext>
-    </p:extLst>
-  </p:cSld>
-  <p:clrMapOvr>
-    <a:masterClrMapping/>
-  </p:clrMapOvr>
-</p:sld>
-</file>
-
-<file path=ppt/slides/slide4.xml><?xml version="1.0" encoding="utf-8"?>
-<p:sld xmlns:a="http://schemas.openxmlformats.org/drawingml/2006/main" xmlns:r="http://schemas.openxmlformats.org/officeDocument/2006/relationships" xmlns:p="http://schemas.openxmlformats.org/presentationml/2006/main">
-  <p:cSld>
-    <p:spTree>
-      <p:nvGrpSpPr>
-        <p:cNvPr id="1" name=""/>
-        <p:cNvGrpSpPr/>
-        <p:nvPr/>
-      </p:nvGrpSpPr>
-      <p:grpSpPr>
-        <a:xfrm>
-          <a:off x="0" y="0"/>
-          <a:ext cx="0" cy="0"/>
-          <a:chOff x="0" y="0"/>
-          <a:chExt cx="0" cy="0"/>
-        </a:xfrm>
-      </p:grpSpPr>
-      <p:sp>
-        <p:nvSpPr>
-          <p:cNvPr id="2" name="标题 1"/>
-          <p:cNvSpPr>
-            <a:spLocks noGrp="1"/>
-          </p:cNvSpPr>
-          <p:nvPr>
-            <p:ph type="title"/>
-          </p:nvPr>
-        </p:nvSpPr>
-        <p:spPr/>
-        <p:txBody>
-          <a:bodyPr/>
-          <a:lstStyle/>
-          <a:p>
-            <a:r>
-              <a:rPr kumimoji="1" lang="en-US" altLang="zh-CN" dirty="0"/>
-              <a:t>Task 4: </a:t>
-            </a:r>
-            <a:r>
-              <a:rPr kumimoji="1" lang="en-US" altLang="zh-CN" dirty="0" err="1"/>
-              <a:t>Hyperpartisan</a:t>
-            </a:r>
-            <a:r>
-              <a:rPr kumimoji="1" lang="en-US" altLang="zh-CN" dirty="0"/>
-              <a:t> News Detection</a:t>
-            </a:r>
-            <a:endParaRPr kumimoji="1" lang="zh-CN" altLang="en-US" dirty="0"/>
-          </a:p>
-        </p:txBody>
-      </p:sp>
-      <p:sp>
-        <p:nvSpPr>
-          <p:cNvPr id="3" name="内容占位符 2"/>
-          <p:cNvSpPr>
-            <a:spLocks noGrp="1"/>
-          </p:cNvSpPr>
-          <p:nvPr>
-            <p:ph idx="1"/>
-          </p:nvPr>
-        </p:nvSpPr>
-        <p:spPr/>
-        <p:txBody>
-          <a:bodyPr>
-            <a:normAutofit fontScale="92500"/>
-          </a:bodyPr>
-          <a:lstStyle/>
-          <a:p>
-            <a:endParaRPr lang="en-US" altLang="zh-CN" dirty="0" smtClean="0"/>
-          </a:p>
-          <a:p>
-            <a:r>
-              <a:rPr lang="en-US" altLang="zh-CN" dirty="0" smtClean="0"/>
-              <a:t>Task</a:t>
-            </a:r>
-            <a:endParaRPr lang="en-US" altLang="zh-CN" dirty="0"/>
-          </a:p>
-          <a:p>
-            <a:pPr lvl="1"/>
-            <a:r>
-              <a:rPr lang="en-US" altLang="zh-CN" dirty="0"/>
-              <a:t>Given a news article text, decide whether it follows a </a:t>
-            </a:r>
-            <a:r>
-              <a:rPr lang="en-US" altLang="zh-CN" dirty="0" smtClean="0">
-                <a:hlinkClick r:id="rId2"/>
-              </a:rPr>
-              <a:t>hyperpartisan</a:t>
-            </a:r>
-            <a:r>
-              <a:rPr lang="en-US" altLang="zh-CN" dirty="0" smtClean="0"/>
-              <a:t>(</a:t>
-            </a:r>
-            <a:r>
-              <a:rPr lang="zh-CN" altLang="en-US" dirty="0"/>
-              <a:t>偏袒的</a:t>
-            </a:r>
-            <a:r>
-              <a:rPr lang="en-US" altLang="zh-CN" dirty="0" smtClean="0"/>
-              <a:t>)</a:t>
-            </a:r>
-            <a:r>
-              <a:rPr lang="en-US" altLang="zh-CN" dirty="0"/>
-              <a:t> argumentation, i.e., whether it exhibits blind, prejudiced, or unreasoning </a:t>
-            </a:r>
-            <a:r>
-              <a:rPr lang="en-US" altLang="zh-CN" dirty="0" smtClean="0"/>
-              <a:t>allegiance(</a:t>
-            </a:r>
-            <a:r>
-              <a:rPr lang="zh-CN" altLang="en-US" dirty="0"/>
-              <a:t>忠诚</a:t>
-            </a:r>
-            <a:r>
-              <a:rPr lang="en-US" altLang="zh-CN" dirty="0" smtClean="0"/>
-              <a:t>) </a:t>
-            </a:r>
-            <a:r>
-              <a:rPr lang="en-US" altLang="zh-CN" dirty="0"/>
-              <a:t>to one party, faction, cause, or person.</a:t>
-            </a:r>
-          </a:p>
-          <a:p>
-            <a:r>
-              <a:rPr lang="en-US" altLang="zh-CN" dirty="0"/>
-              <a:t>Data (September 2018)</a:t>
-            </a:r>
-          </a:p>
-          <a:p>
-            <a:pPr lvl="1"/>
-            <a:r>
-              <a:rPr lang="en-US" altLang="zh-CN" dirty="0"/>
-              <a:t>We will provide 1 million articles labeled by the overall tendency of the publisher for training your algorithm</a:t>
-            </a:r>
-            <a:r>
-              <a:rPr lang="en-US" altLang="zh-CN" dirty="0" smtClean="0"/>
-              <a:t>.</a:t>
-            </a:r>
-          </a:p>
-          <a:p>
-            <a:pPr lvl="1"/>
-            <a:r>
-              <a:rPr lang="en-US" altLang="zh-CN" dirty="0" smtClean="0"/>
-              <a:t>Upon</a:t>
-            </a:r>
-            <a:r>
-              <a:rPr lang="en-US" altLang="zh-CN" dirty="0"/>
-              <a:t> </a:t>
-            </a:r>
-            <a:r>
-              <a:rPr lang="en-US" altLang="zh-CN" dirty="0">
-                <a:hlinkClick r:id="rId3"/>
-              </a:rPr>
-              <a:t>registration</a:t>
-            </a:r>
-            <a:r>
-              <a:rPr lang="en-US" altLang="zh-CN" dirty="0"/>
-              <a:t> we provide you with a trial dataset (may take up to 24 hours). We continuously clean the dataset (also based on your feedback) and will send you new versions as they come out.</a:t>
-            </a:r>
-          </a:p>
-          <a:p>
-            <a:endParaRPr kumimoji="1" lang="en-US" altLang="zh-CN" dirty="0" smtClean="0"/>
-          </a:p>
-          <a:p>
-            <a:endParaRPr kumimoji="1" lang="en-US" altLang="zh-CN" dirty="0" smtClean="0"/>
-          </a:p>
-          <a:p>
-            <a:r>
-              <a:rPr lang="en-US" altLang="zh-CN" dirty="0">
-                <a:hlinkClick r:id="rId4"/>
-              </a:rPr>
-              <a:t>https://pan.webis.de/semeval19/semeval19-web</a:t>
-            </a:r>
-            <a:r>
-              <a:rPr lang="en-US" altLang="zh-CN" dirty="0" smtClean="0">
-                <a:hlinkClick r:id="rId4"/>
-              </a:rPr>
-              <a:t>/</a:t>
-            </a:r>
-            <a:endParaRPr lang="en-US" altLang="zh-CN" dirty="0" smtClean="0"/>
-          </a:p>
-          <a:p>
-            <a:endParaRPr kumimoji="1" lang="en-US" altLang="zh-CN" dirty="0"/>
-          </a:p>
-        </p:txBody>
-      </p:sp>
-    </p:spTree>
-    <p:extLst>
-      <p:ext uri="{BB962C8B-B14F-4D97-AF65-F5344CB8AC3E}">
-        <p14:creationId xmlns:p14="http://schemas.microsoft.com/office/powerpoint/2010/main" val="677597913"/>
-      </p:ext>
-    </p:extLst>
-  </p:cSld>
-  <p:clrMapOvr>
-    <a:masterClrMapping/>
-  </p:clrMapOvr>
-</p:sld>
-</file>
-
-<file path=ppt/slides/slide5.xml><?xml version="1.0" encoding="utf-8"?>
-<p:sld xmlns:a="http://schemas.openxmlformats.org/drawingml/2006/main" xmlns:r="http://schemas.openxmlformats.org/officeDocument/2006/relationships" xmlns:p="http://schemas.openxmlformats.org/presentationml/2006/main">
-  <p:cSld>
-    <p:spTree>
-      <p:nvGrpSpPr>
-        <p:cNvPr id="1" name=""/>
-        <p:cNvGrpSpPr/>
-        <p:nvPr/>
-      </p:nvGrpSpPr>
-      <p:grpSpPr>
-        <a:xfrm>
-          <a:off x="0" y="0"/>
-          <a:ext cx="0" cy="0"/>
-          <a:chOff x="0" y="0"/>
-          <a:chExt cx="0" cy="0"/>
-        </a:xfrm>
-      </p:grpSpPr>
-      <p:sp>
-        <p:nvSpPr>
-          <p:cNvPr id="2" name="标题 1"/>
-          <p:cNvSpPr>
-            <a:spLocks noGrp="1"/>
-          </p:cNvSpPr>
-          <p:nvPr>
-            <p:ph type="title"/>
-          </p:nvPr>
-        </p:nvSpPr>
-        <p:spPr/>
-        <p:txBody>
-          <a:bodyPr>
-            <a:normAutofit/>
-          </a:bodyPr>
-          <a:lstStyle/>
-          <a:p>
-            <a:r>
-              <a:rPr lang="en-US" altLang="zh-CN" dirty="0" smtClean="0"/>
-              <a:t>Task </a:t>
-            </a:r>
-            <a:r>
-              <a:rPr lang="en-US" altLang="zh-CN" dirty="0"/>
-              <a:t>5 - Shared Task on Multilingual Detection of </a:t>
-            </a:r>
-            <a:r>
-              <a:rPr lang="en-US" altLang="zh-CN" dirty="0" smtClean="0"/>
-              <a:t>Hate (</a:t>
-            </a:r>
-            <a:r>
-              <a:rPr lang="en-US" altLang="zh-CN" dirty="0" err="1"/>
-              <a:t>hatEval</a:t>
-            </a:r>
-            <a:r>
-              <a:rPr lang="en-US" altLang="zh-CN" dirty="0"/>
-              <a:t>)</a:t>
-            </a:r>
-          </a:p>
-        </p:txBody>
-      </p:sp>
-      <p:sp>
-        <p:nvSpPr>
-          <p:cNvPr id="3" name="内容占位符 2"/>
-          <p:cNvSpPr>
-            <a:spLocks noGrp="1"/>
-          </p:cNvSpPr>
-          <p:nvPr>
-            <p:ph idx="1"/>
-          </p:nvPr>
-        </p:nvSpPr>
-        <p:spPr/>
-        <p:txBody>
-          <a:bodyPr>
-            <a:normAutofit/>
-          </a:bodyPr>
-          <a:lstStyle/>
-          <a:p>
-            <a:endParaRPr lang="en-US" altLang="zh-CN" dirty="0" smtClean="0"/>
-          </a:p>
-          <a:p>
-            <a:r>
-              <a:rPr lang="en-US" altLang="zh-CN" dirty="0" smtClean="0"/>
-              <a:t>Hate </a:t>
-            </a:r>
-            <a:r>
-              <a:rPr lang="en-US" altLang="zh-CN" dirty="0"/>
-              <a:t>Speech is commonly defined as any communication that </a:t>
-            </a:r>
-            <a:r>
-              <a:rPr lang="en-US" altLang="zh-CN" dirty="0" smtClean="0"/>
-              <a:t>disparages (</a:t>
-            </a:r>
-            <a:r>
-              <a:rPr lang="zh-CN" altLang="en-US" dirty="0"/>
-              <a:t>贬低</a:t>
-            </a:r>
-            <a:r>
-              <a:rPr lang="en-US" altLang="zh-CN" dirty="0" smtClean="0"/>
-              <a:t>) </a:t>
-            </a:r>
-            <a:r>
-              <a:rPr lang="en-US" altLang="zh-CN" dirty="0"/>
-              <a:t>a person or a group on the basis of some characteristic such as race, color, ethnicity, gender, sexual orientation, nationality, religion, or other characteristics. </a:t>
-            </a:r>
-          </a:p>
-          <a:p>
-            <a:endParaRPr lang="en-US" altLang="zh-CN" dirty="0" smtClean="0"/>
-          </a:p>
-          <a:p>
-            <a:r>
-              <a:rPr lang="en-US" altLang="zh-CN" dirty="0" smtClean="0"/>
-              <a:t>The </a:t>
-            </a:r>
-            <a:r>
-              <a:rPr lang="en-US" altLang="zh-CN" dirty="0"/>
-              <a:t>proposed task consists in Hate Speech detection in Twitter but featured by two specific different targets, </a:t>
-            </a:r>
-            <a:r>
-              <a:rPr lang="en-US" altLang="zh-CN" b="1" dirty="0"/>
-              <a:t>immigrants</a:t>
-            </a:r>
-            <a:r>
-              <a:rPr lang="en-US" altLang="zh-CN" dirty="0"/>
-              <a:t> and </a:t>
-            </a:r>
-            <a:r>
-              <a:rPr lang="en-US" altLang="zh-CN" b="1" dirty="0"/>
-              <a:t>women</a:t>
-            </a:r>
-            <a:r>
-              <a:rPr lang="en-US" altLang="zh-CN" dirty="0"/>
-              <a:t>, in a multilingual perspective, for </a:t>
-            </a:r>
-            <a:r>
-              <a:rPr lang="en-US" altLang="zh-CN" b="1" dirty="0"/>
-              <a:t>Spanish</a:t>
-            </a:r>
-            <a:r>
-              <a:rPr lang="en-US" altLang="zh-CN" dirty="0"/>
-              <a:t> and </a:t>
-            </a:r>
-            <a:r>
-              <a:rPr lang="en-US" altLang="zh-CN" b="1" dirty="0"/>
-              <a:t>English</a:t>
-            </a:r>
-            <a:r>
-              <a:rPr lang="en-US" altLang="zh-CN" dirty="0"/>
-              <a:t>. </a:t>
-            </a:r>
-            <a:endParaRPr lang="en-US" altLang="zh-CN" dirty="0" smtClean="0"/>
-          </a:p>
-          <a:p>
-            <a:endParaRPr lang="en-US" altLang="zh-CN" dirty="0" smtClean="0"/>
-          </a:p>
-          <a:p>
-            <a:r>
-              <a:rPr lang="en-US" altLang="zh-CN" dirty="0">
-                <a:hlinkClick r:id="rId2"/>
-              </a:rPr>
-              <a:t>https://</a:t>
-            </a:r>
-            <a:r>
-              <a:rPr lang="en-US" altLang="zh-CN" dirty="0" smtClean="0">
-                <a:hlinkClick r:id="rId2"/>
-              </a:rPr>
-              <a:t>competitions.codalab.org/competitions/19935</a:t>
-            </a:r>
-            <a:endParaRPr lang="en-US" altLang="zh-CN" dirty="0"/>
-          </a:p>
-          <a:p>
-            <a:endParaRPr lang="en-US" altLang="zh-CN" dirty="0" smtClean="0"/>
-          </a:p>
-        </p:txBody>
-      </p:sp>
-    </p:spTree>
-    <p:extLst>
-      <p:ext uri="{BB962C8B-B14F-4D97-AF65-F5344CB8AC3E}">
-        <p14:creationId xmlns:p14="http://schemas.microsoft.com/office/powerpoint/2010/main" val="608736846"/>
-      </p:ext>
-    </p:extLst>
-  </p:cSld>
-  <p:clrMapOvr>
-    <a:masterClrMapping/>
-  </p:clrMapOvr>
-</p:sld>
-</file>
-
-<file path=ppt/slides/slide6.xml><?xml version="1.0" encoding="utf-8"?>
-<p:sld xmlns:a="http://schemas.openxmlformats.org/drawingml/2006/main" xmlns:r="http://schemas.openxmlformats.org/officeDocument/2006/relationships" xmlns:p="http://schemas.openxmlformats.org/presentationml/2006/main">
-  <p:cSld>
-    <p:spTree>
-      <p:nvGrpSpPr>
-        <p:cNvPr id="1" name=""/>
-        <p:cNvGrpSpPr/>
-        <p:nvPr/>
-      </p:nvGrpSpPr>
-      <p:grpSpPr>
-        <a:xfrm>
-          <a:off x="0" y="0"/>
-          <a:ext cx="0" cy="0"/>
-          <a:chOff x="0" y="0"/>
-          <a:chExt cx="0" cy="0"/>
-        </a:xfrm>
-      </p:grpSpPr>
-      <p:sp>
-        <p:nvSpPr>
-          <p:cNvPr id="2" name="标题 1"/>
-          <p:cNvSpPr>
-            <a:spLocks noGrp="1"/>
-          </p:cNvSpPr>
-          <p:nvPr>
-            <p:ph type="title"/>
-          </p:nvPr>
-        </p:nvSpPr>
-        <p:spPr/>
-        <p:txBody>
-          <a:bodyPr>
-            <a:normAutofit/>
-          </a:bodyPr>
-          <a:lstStyle/>
-          <a:p>
-            <a:r>
-              <a:rPr lang="en-US" altLang="zh-CN" dirty="0" smtClean="0"/>
-              <a:t>Task </a:t>
-            </a:r>
-            <a:r>
-              <a:rPr lang="en-US" altLang="zh-CN" dirty="0"/>
-              <a:t>5 - Shared Task on Multilingual Detection of </a:t>
-            </a:r>
-            <a:r>
-              <a:rPr lang="en-US" altLang="zh-CN" dirty="0" smtClean="0"/>
-              <a:t>Hate</a:t>
-            </a:r>
-            <a:endParaRPr kumimoji="1" lang="zh-CN" altLang="en-US" dirty="0"/>
-          </a:p>
-        </p:txBody>
-      </p:sp>
-      <p:sp>
-        <p:nvSpPr>
-          <p:cNvPr id="3" name="内容占位符 2"/>
-          <p:cNvSpPr>
-            <a:spLocks noGrp="1"/>
-          </p:cNvSpPr>
-          <p:nvPr>
-            <p:ph idx="1"/>
-          </p:nvPr>
-        </p:nvSpPr>
-        <p:spPr/>
-        <p:txBody>
-          <a:bodyPr/>
-          <a:lstStyle/>
-          <a:p>
-            <a:endParaRPr lang="en-US" altLang="zh-CN" b="1" dirty="0" smtClean="0"/>
-          </a:p>
-          <a:p>
-            <a:r>
-              <a:rPr lang="en-US" altLang="zh-CN" b="1" dirty="0" smtClean="0"/>
-              <a:t>TASK </a:t>
-            </a:r>
-            <a:r>
-              <a:rPr lang="en-US" altLang="zh-CN" b="1" dirty="0"/>
-              <a:t>A - Hate Speech Detection against Immigrants and Women:</a:t>
-            </a:r>
-            <a:r>
-              <a:rPr lang="en-US" altLang="zh-CN" dirty="0"/>
-              <a:t> a two-class (or binary) classification where systems have to predict </a:t>
-            </a:r>
-            <a:r>
-              <a:rPr lang="en-US" altLang="zh-CN" b="1" dirty="0">
-                <a:solidFill>
-                  <a:srgbClr val="0070C0"/>
-                </a:solidFill>
-              </a:rPr>
-              <a:t>whether a tweet in English or in Spanish with a given target (women or immigrants) is hateful or not hateful.</a:t>
-            </a:r>
-          </a:p>
-          <a:p>
-            <a:endParaRPr lang="en-US" altLang="zh-CN" b="1" dirty="0" smtClean="0"/>
-          </a:p>
-          <a:p>
-            <a:r>
-              <a:rPr lang="en-US" altLang="zh-CN" b="1" dirty="0" smtClean="0"/>
-              <a:t>TASK </a:t>
-            </a:r>
-            <a:r>
-              <a:rPr lang="en-US" altLang="zh-CN" b="1" dirty="0"/>
-              <a:t>B - Aggressive behavior and Target Classification:</a:t>
-            </a:r>
-            <a:r>
-              <a:rPr lang="en-US" altLang="zh-CN" dirty="0"/>
-              <a:t> where </a:t>
-            </a:r>
-            <a:r>
-              <a:rPr lang="en-US" altLang="zh-CN" dirty="0">
-                <a:solidFill>
-                  <a:schemeClr val="tx1"/>
-                </a:solidFill>
-              </a:rPr>
-              <a:t>systems are asked first to classify hateful tweets </a:t>
-            </a:r>
-            <a:r>
-              <a:rPr lang="en-US" altLang="zh-CN" dirty="0"/>
-              <a:t>for English and Spanish (e.g., tweets where Hate Speech against women or immigrants has been identified) </a:t>
-            </a:r>
-            <a:r>
-              <a:rPr lang="en-US" altLang="zh-CN" b="1" dirty="0">
-                <a:solidFill>
-                  <a:srgbClr val="0070C0"/>
-                </a:solidFill>
-              </a:rPr>
-              <a:t>as aggressive or not aggressive,</a:t>
-            </a:r>
-            <a:r>
-              <a:rPr lang="en-US" altLang="zh-CN" dirty="0"/>
-              <a:t> and second to identify the target </a:t>
-            </a:r>
-            <a:r>
-              <a:rPr lang="en-US" altLang="zh-CN" b="1" dirty="0">
-                <a:solidFill>
-                  <a:srgbClr val="0070C0"/>
-                </a:solidFill>
-              </a:rPr>
-              <a:t>harassed as individual or generic </a:t>
-            </a:r>
-            <a:r>
-              <a:rPr lang="en-US" altLang="zh-CN" dirty="0"/>
-              <a:t>(i.e. single human or group).</a:t>
-            </a:r>
-          </a:p>
-          <a:p>
-            <a:endParaRPr kumimoji="1" lang="zh-CN" altLang="en-US" dirty="0"/>
-          </a:p>
-          <a:p>
-            <a:endParaRPr kumimoji="1" lang="zh-CN" altLang="en-US" dirty="0"/>
-          </a:p>
-        </p:txBody>
-      </p:sp>
-    </p:spTree>
-    <p:extLst>
-      <p:ext uri="{BB962C8B-B14F-4D97-AF65-F5344CB8AC3E}">
-        <p14:creationId xmlns:p14="http://schemas.microsoft.com/office/powerpoint/2010/main" val="1303744786"/>
-      </p:ext>
-    </p:extLst>
-  </p:cSld>
-  <p:clrMapOvr>
-    <a:masterClrMapping/>
-  </p:clrMapOvr>
-</p:sld>
-</file>
-
-<file path=ppt/slides/slide7.xml><?xml version="1.0" encoding="utf-8"?>
-<p:sld xmlns:a="http://schemas.openxmlformats.org/drawingml/2006/main" xmlns:r="http://schemas.openxmlformats.org/officeDocument/2006/relationships" xmlns:p="http://schemas.openxmlformats.org/presentationml/2006/main">
-  <p:cSld>
-    <p:spTree>
-      <p:nvGrpSpPr>
-        <p:cNvPr id="1" name=""/>
-        <p:cNvGrpSpPr/>
-        <p:nvPr/>
-      </p:nvGrpSpPr>
-      <p:grpSpPr>
-        <a:xfrm>
-          <a:off x="0" y="0"/>
-          <a:ext cx="0" cy="0"/>
-          <a:chOff x="0" y="0"/>
-          <a:chExt cx="0" cy="0"/>
-        </a:xfrm>
-      </p:grpSpPr>
-      <p:sp>
-        <p:nvSpPr>
-          <p:cNvPr id="2" name="标题 1"/>
-          <p:cNvSpPr>
-            <a:spLocks noGrp="1"/>
-          </p:cNvSpPr>
-          <p:nvPr>
-            <p:ph type="title"/>
-          </p:nvPr>
-        </p:nvSpPr>
-        <p:spPr/>
-        <p:txBody>
-          <a:bodyPr>
-            <a:normAutofit/>
-          </a:bodyPr>
-          <a:lstStyle/>
-          <a:p>
-            <a:r>
-              <a:rPr kumimoji="1" lang="en-US" altLang="zh-CN" sz="4000" dirty="0"/>
-              <a:t>Task 6: </a:t>
-            </a:r>
-            <a:r>
-              <a:rPr kumimoji="1" lang="en-US" altLang="zh-CN" sz="4000" dirty="0" err="1"/>
-              <a:t>OffensEval</a:t>
-            </a:r>
-            <a:r>
-              <a:rPr kumimoji="1" lang="en-US" altLang="zh-CN" sz="4000" dirty="0"/>
-              <a:t>: Identifying and Categorizing Offensive Language in Social Media</a:t>
-            </a:r>
-          </a:p>
-        </p:txBody>
-      </p:sp>
-      <p:sp>
-        <p:nvSpPr>
-          <p:cNvPr id="3" name="内容占位符 2"/>
-          <p:cNvSpPr>
-            <a:spLocks noGrp="1"/>
-          </p:cNvSpPr>
-          <p:nvPr>
-            <p:ph idx="1"/>
-          </p:nvPr>
-        </p:nvSpPr>
-        <p:spPr/>
-        <p:txBody>
-          <a:bodyPr>
-            <a:normAutofit/>
-          </a:bodyPr>
-          <a:lstStyle/>
-          <a:p>
-            <a:endParaRPr kumimoji="1" lang="en-US" altLang="zh-CN" dirty="0" smtClean="0"/>
-          </a:p>
-          <a:p>
-            <a:r>
-              <a:rPr kumimoji="1" lang="en-US" altLang="zh-CN" dirty="0" smtClean="0"/>
-              <a:t>Motivation</a:t>
-            </a:r>
-          </a:p>
-          <a:p>
-            <a:pPr lvl="1"/>
-            <a:r>
-              <a:rPr lang="en-US" altLang="zh-CN" dirty="0" smtClean="0"/>
-              <a:t>Offensive </a:t>
-            </a:r>
-            <a:r>
-              <a:rPr lang="en-US" altLang="zh-CN" dirty="0"/>
-              <a:t>language is pervasive in social media. Individuals frequently take advantage of the perceived </a:t>
-            </a:r>
-            <a:r>
-              <a:rPr lang="en-US" altLang="zh-CN" b="1" dirty="0" smtClean="0">
-                <a:solidFill>
-                  <a:srgbClr val="0070C0"/>
-                </a:solidFill>
-              </a:rPr>
-              <a:t>anonymity</a:t>
-            </a:r>
-            <a:r>
-              <a:rPr lang="en-US" altLang="zh-CN" dirty="0" smtClean="0">
-                <a:solidFill>
-                  <a:schemeClr val="tx1"/>
-                </a:solidFill>
-              </a:rPr>
-              <a:t>(</a:t>
-            </a:r>
-            <a:r>
-              <a:rPr lang="zh-CN" altLang="en-US" dirty="0">
-                <a:solidFill>
-                  <a:schemeClr val="tx1"/>
-                </a:solidFill>
-              </a:rPr>
-              <a:t>匿名</a:t>
-            </a:r>
-            <a:r>
-              <a:rPr lang="en-US" altLang="zh-CN" dirty="0" smtClean="0">
-                <a:solidFill>
-                  <a:schemeClr val="tx1"/>
-                </a:solidFill>
-              </a:rPr>
-              <a:t>)</a:t>
-            </a:r>
-            <a:r>
-              <a:rPr lang="en-US" altLang="zh-CN" dirty="0" smtClean="0"/>
-              <a:t> </a:t>
-            </a:r>
-            <a:r>
-              <a:rPr lang="en-US" altLang="zh-CN" dirty="0"/>
-              <a:t>of computer-mediated communication, using this to engage in </a:t>
-            </a:r>
-            <a:r>
-              <a:rPr lang="en-US" altLang="zh-CN" dirty="0" err="1"/>
-              <a:t>behaviour</a:t>
-            </a:r>
-            <a:r>
-              <a:rPr lang="en-US" altLang="zh-CN" dirty="0"/>
-              <a:t> that many of them would not consider in real life. Online communities, social media platforms, and technology companies have been investing heavily in ways to </a:t>
-            </a:r>
-            <a:r>
-              <a:rPr lang="en-US" altLang="zh-CN" b="1" dirty="0">
-                <a:solidFill>
-                  <a:srgbClr val="0070C0"/>
-                </a:solidFill>
-              </a:rPr>
-              <a:t>cope with </a:t>
-            </a:r>
-            <a:r>
-              <a:rPr lang="en-US" altLang="zh-CN" b="1" dirty="0" smtClean="0">
-                <a:solidFill>
-                  <a:srgbClr val="0070C0"/>
-                </a:solidFill>
-              </a:rPr>
-              <a:t>offensive(</a:t>
-            </a:r>
-            <a:r>
-              <a:rPr lang="zh-CN" altLang="en-US" b="1" dirty="0">
-                <a:solidFill>
-                  <a:srgbClr val="0070C0"/>
-                </a:solidFill>
-              </a:rPr>
-              <a:t>冒犯的</a:t>
-            </a:r>
-            <a:r>
-              <a:rPr lang="en-US" altLang="zh-CN" b="1" dirty="0" smtClean="0">
-                <a:solidFill>
-                  <a:srgbClr val="0070C0"/>
-                </a:solidFill>
-              </a:rPr>
-              <a:t>) </a:t>
-            </a:r>
-            <a:r>
-              <a:rPr lang="en-US" altLang="zh-CN" b="1" dirty="0">
-                <a:solidFill>
-                  <a:srgbClr val="0070C0"/>
-                </a:solidFill>
-              </a:rPr>
-              <a:t>language to prevent </a:t>
-            </a:r>
-            <a:r>
-              <a:rPr lang="en-US" altLang="zh-CN" b="1" dirty="0" smtClean="0">
-                <a:solidFill>
-                  <a:srgbClr val="0070C0"/>
-                </a:solidFill>
-              </a:rPr>
-              <a:t>abusive </a:t>
-            </a:r>
-            <a:r>
-              <a:rPr lang="en-US" altLang="zh-CN" b="1" dirty="0" err="1">
-                <a:solidFill>
-                  <a:srgbClr val="0070C0"/>
-                </a:solidFill>
-              </a:rPr>
-              <a:t>behaviour</a:t>
-            </a:r>
-            <a:r>
-              <a:rPr lang="en-US" altLang="zh-CN" dirty="0"/>
-              <a:t> in social media.</a:t>
-            </a:r>
-          </a:p>
-          <a:p>
-            <a:pPr lvl="1"/>
-            <a:r>
-              <a:rPr lang="en-US" altLang="zh-CN" dirty="0" smtClean="0"/>
-              <a:t>In </a:t>
-            </a:r>
-            <a:r>
-              <a:rPr lang="en-US" altLang="zh-CN" dirty="0" err="1"/>
-              <a:t>OffensEval</a:t>
-            </a:r>
-            <a:r>
-              <a:rPr lang="en-US" altLang="zh-CN" dirty="0"/>
-              <a:t> we break down offensive content into three sub-tasks taking the </a:t>
-            </a:r>
-            <a:r>
-              <a:rPr lang="en-US" altLang="zh-CN" b="1" dirty="0"/>
-              <a:t>type</a:t>
-            </a:r>
-            <a:r>
-              <a:rPr lang="en-US" altLang="zh-CN" dirty="0"/>
-              <a:t> and </a:t>
-            </a:r>
-            <a:r>
-              <a:rPr lang="en-US" altLang="zh-CN" b="1" dirty="0"/>
-              <a:t>target</a:t>
-            </a:r>
-            <a:r>
-              <a:rPr lang="en-US" altLang="zh-CN" dirty="0"/>
-              <a:t> of offenses into </a:t>
-            </a:r>
-            <a:r>
-              <a:rPr lang="en-US" altLang="zh-CN" dirty="0" smtClean="0"/>
-              <a:t>account</a:t>
-            </a:r>
-            <a:r>
-              <a:rPr lang="en-US" altLang="zh-CN" dirty="0" smtClean="0"/>
-              <a:t>.</a:t>
-            </a:r>
-          </a:p>
-          <a:p>
-            <a:pPr lvl="1"/>
-            <a:endParaRPr kumimoji="1" lang="en-US" altLang="zh-CN" dirty="0" smtClean="0"/>
-          </a:p>
-          <a:p>
-            <a:r>
-              <a:rPr kumimoji="1" lang="en-US" altLang="zh-CN" dirty="0" smtClean="0">
-                <a:hlinkClick r:id="rId2"/>
-              </a:rPr>
-              <a:t>https</a:t>
-            </a:r>
-            <a:r>
-              <a:rPr kumimoji="1" lang="en-US" altLang="zh-CN" dirty="0">
-                <a:hlinkClick r:id="rId2"/>
-              </a:rPr>
-              <a:t>://</a:t>
-            </a:r>
-            <a:r>
-              <a:rPr kumimoji="1" lang="en-US" altLang="zh-CN" dirty="0" smtClean="0">
-                <a:hlinkClick r:id="rId2"/>
-              </a:rPr>
-              <a:t>competitions.codalab.org/competitions/20011</a:t>
-            </a:r>
-            <a:endParaRPr kumimoji="1" lang="zh-CN" altLang="en-US" dirty="0"/>
-          </a:p>
-          <a:p>
-            <a:endParaRPr lang="en-US" altLang="zh-CN" dirty="0"/>
-          </a:p>
-        </p:txBody>
-      </p:sp>
-    </p:spTree>
-    <p:extLst>
-      <p:ext uri="{BB962C8B-B14F-4D97-AF65-F5344CB8AC3E}">
-        <p14:creationId xmlns:p14="http://schemas.microsoft.com/office/powerpoint/2010/main" val="2122787002"/>
-      </p:ext>
-    </p:extLst>
-  </p:cSld>
-  <p:clrMapOvr>
-    <a:masterClrMapping/>
-  </p:clrMapOvr>
-</p:sld>
-</file>
-
-<file path=ppt/slides/slide8.xml><?xml version="1.0" encoding="utf-8"?>
+<file path=ppt/slides/slide10.xml><?xml version="1.0" encoding="utf-8"?>
 <p:sld xmlns:a="http://schemas.openxmlformats.org/drawingml/2006/main" xmlns:r="http://schemas.openxmlformats.org/officeDocument/2006/relationships" xmlns:p="http://schemas.openxmlformats.org/presentationml/2006/main">
   <p:cSld>
     <p:spTree>
@@ -5587,7 +4504,7 @@
 </p:sld>
 </file>
 
-<file path=ppt/slides/slide9.xml><?xml version="1.0" encoding="utf-8"?>
+<file path=ppt/slides/slide11.xml><?xml version="1.0" encoding="utf-8"?>
 <p:sld xmlns:a="http://schemas.openxmlformats.org/drawingml/2006/main" xmlns:r="http://schemas.openxmlformats.org/officeDocument/2006/relationships" xmlns:p="http://schemas.openxmlformats.org/presentationml/2006/main">
   <p:cSld>
     <p:spTree>
@@ -5684,6 +4601,2090 @@
       </p:par>
     </p:tnLst>
   </p:timing>
+</p:sld>
+</file>
+
+<file path=ppt/slides/slide2.xml><?xml version="1.0" encoding="utf-8"?>
+<p:sld xmlns:a="http://schemas.openxmlformats.org/drawingml/2006/main" xmlns:r="http://schemas.openxmlformats.org/officeDocument/2006/relationships" xmlns:p="http://schemas.openxmlformats.org/presentationml/2006/main">
+  <p:cSld>
+    <p:spTree>
+      <p:nvGrpSpPr>
+        <p:cNvPr id="1" name=""/>
+        <p:cNvGrpSpPr/>
+        <p:nvPr/>
+      </p:nvGrpSpPr>
+      <p:grpSpPr>
+        <a:xfrm>
+          <a:off x="0" y="0"/>
+          <a:ext cx="0" cy="0"/>
+          <a:chOff x="0" y="0"/>
+          <a:chExt cx="0" cy="0"/>
+        </a:xfrm>
+      </p:grpSpPr>
+      <p:sp>
+        <p:nvSpPr>
+          <p:cNvPr id="2" name="标题 1"/>
+          <p:cNvSpPr>
+            <a:spLocks noGrp="1"/>
+          </p:cNvSpPr>
+          <p:nvPr>
+            <p:ph type="title"/>
+          </p:nvPr>
+        </p:nvSpPr>
+        <p:spPr/>
+        <p:txBody>
+          <a:bodyPr>
+            <a:normAutofit/>
+          </a:bodyPr>
+          <a:lstStyle/>
+          <a:p>
+            <a:pPr fontAlgn="base"/>
+            <a:r>
+              <a:rPr lang="en-US" altLang="zh-CN" sz="4000" b="1" dirty="0"/>
+              <a:t>Opinion, emotion and abusive language </a:t>
+            </a:r>
+            <a:r>
+              <a:rPr lang="en-US" altLang="zh-CN" sz="4000" b="1" dirty="0" smtClean="0"/>
+              <a:t>detection</a:t>
+            </a:r>
+            <a:endParaRPr kumimoji="1" lang="zh-CN" altLang="en-US" sz="4000" dirty="0"/>
+          </a:p>
+        </p:txBody>
+      </p:sp>
+      <p:sp>
+        <p:nvSpPr>
+          <p:cNvPr id="3" name="内容占位符 2"/>
+          <p:cNvSpPr>
+            <a:spLocks noGrp="1"/>
+          </p:cNvSpPr>
+          <p:nvPr>
+            <p:ph idx="1"/>
+          </p:nvPr>
+        </p:nvSpPr>
+        <p:spPr/>
+        <p:txBody>
+          <a:bodyPr/>
+          <a:lstStyle/>
+          <a:p>
+            <a:pPr fontAlgn="base"/>
+            <a:endParaRPr lang="en-US" altLang="zh-CN" dirty="0" smtClean="0"/>
+          </a:p>
+          <a:p>
+            <a:pPr fontAlgn="base"/>
+            <a:r>
+              <a:rPr lang="en-US" altLang="zh-CN" dirty="0" smtClean="0"/>
+              <a:t>Task </a:t>
+            </a:r>
+            <a:r>
+              <a:rPr lang="en-US" altLang="zh-CN" dirty="0"/>
+              <a:t>3: </a:t>
+            </a:r>
+            <a:r>
+              <a:rPr lang="en-US" altLang="zh-CN" dirty="0">
+                <a:hlinkClick r:id="rId2"/>
+              </a:rPr>
+              <a:t>EmoContext: Contextual Emotion Detection in </a:t>
+            </a:r>
+            <a:r>
+              <a:rPr lang="en-US" altLang="zh-CN" dirty="0" smtClean="0">
+                <a:hlinkClick r:id="rId2"/>
+              </a:rPr>
+              <a:t>Text</a:t>
+            </a:r>
+            <a:endParaRPr lang="en-US" altLang="zh-CN" dirty="0"/>
+          </a:p>
+          <a:p>
+            <a:pPr fontAlgn="base"/>
+            <a:r>
+              <a:rPr lang="en-US" altLang="zh-CN" dirty="0" smtClean="0"/>
+              <a:t>Task </a:t>
+            </a:r>
+            <a:r>
+              <a:rPr lang="en-US" altLang="zh-CN" dirty="0"/>
+              <a:t>4: </a:t>
+            </a:r>
+            <a:r>
+              <a:rPr lang="en-US" altLang="zh-CN" dirty="0">
+                <a:hlinkClick r:id="rId3"/>
+              </a:rPr>
+              <a:t>Hyperpartisan News Detection</a:t>
+            </a:r>
+            <a:r>
+              <a:rPr lang="en-US" altLang="zh-CN" dirty="0"/>
+              <a:t> </a:t>
+            </a:r>
+            <a:endParaRPr lang="en-US" altLang="zh-CN" dirty="0" smtClean="0"/>
+          </a:p>
+          <a:p>
+            <a:pPr fontAlgn="base"/>
+            <a:r>
+              <a:rPr lang="en-US" altLang="zh-CN" dirty="0" smtClean="0"/>
+              <a:t>Task 5: </a:t>
+            </a:r>
+            <a:r>
+              <a:rPr lang="en-US" altLang="zh-CN" dirty="0" smtClean="0">
+                <a:hlinkClick r:id="rId4"/>
+              </a:rPr>
+              <a:t>HatEval: Multilingual Detection of Hate Speech Against Immigrants and Women in Twitter</a:t>
+            </a:r>
+            <a:endParaRPr lang="en-US" altLang="zh-CN" dirty="0" smtClean="0"/>
+          </a:p>
+          <a:p>
+            <a:pPr fontAlgn="base"/>
+            <a:r>
+              <a:rPr lang="en-US" altLang="zh-CN" dirty="0" smtClean="0"/>
+              <a:t>Task </a:t>
+            </a:r>
+            <a:r>
+              <a:rPr lang="en-US" altLang="zh-CN" dirty="0"/>
+              <a:t>6: </a:t>
+            </a:r>
+            <a:r>
+              <a:rPr lang="en-US" altLang="zh-CN" dirty="0">
+                <a:hlinkClick r:id="rId5"/>
+              </a:rPr>
+              <a:t>OffensEval: Identifying and Categorizing Offensive Language in Social Media</a:t>
+            </a:r>
+            <a:r>
+              <a:rPr lang="en-US" altLang="zh-CN" dirty="0"/>
+              <a:t> </a:t>
+            </a:r>
+            <a:endParaRPr kumimoji="1" lang="zh-CN" altLang="en-US" dirty="0"/>
+          </a:p>
+        </p:txBody>
+      </p:sp>
+    </p:spTree>
+    <p:extLst>
+      <p:ext uri="{BB962C8B-B14F-4D97-AF65-F5344CB8AC3E}">
+        <p14:creationId xmlns:p14="http://schemas.microsoft.com/office/powerpoint/2010/main" val="889004657"/>
+      </p:ext>
+    </p:extLst>
+  </p:cSld>
+  <p:clrMapOvr>
+    <a:masterClrMapping/>
+  </p:clrMapOvr>
+  <p:timing>
+    <p:tnLst>
+      <p:par>
+        <p:cTn id="1" dur="indefinite" restart="never" nodeType="tmRoot"/>
+      </p:par>
+    </p:tnLst>
+  </p:timing>
+</p:sld>
+</file>
+
+<file path=ppt/slides/slide3.xml><?xml version="1.0" encoding="utf-8"?>
+<p:sld xmlns:a="http://schemas.openxmlformats.org/drawingml/2006/main" xmlns:r="http://schemas.openxmlformats.org/officeDocument/2006/relationships" xmlns:p="http://schemas.openxmlformats.org/presentationml/2006/main">
+  <p:cSld>
+    <p:spTree>
+      <p:nvGrpSpPr>
+        <p:cNvPr id="1" name=""/>
+        <p:cNvGrpSpPr/>
+        <p:nvPr/>
+      </p:nvGrpSpPr>
+      <p:grpSpPr>
+        <a:xfrm>
+          <a:off x="0" y="0"/>
+          <a:ext cx="0" cy="0"/>
+          <a:chOff x="0" y="0"/>
+          <a:chExt cx="0" cy="0"/>
+        </a:xfrm>
+      </p:grpSpPr>
+      <p:sp>
+        <p:nvSpPr>
+          <p:cNvPr id="2" name="标题 1"/>
+          <p:cNvSpPr>
+            <a:spLocks noGrp="1"/>
+          </p:cNvSpPr>
+          <p:nvPr>
+            <p:ph type="title"/>
+          </p:nvPr>
+        </p:nvSpPr>
+        <p:spPr/>
+        <p:txBody>
+          <a:bodyPr/>
+          <a:lstStyle/>
+          <a:p>
+            <a:r>
+              <a:rPr kumimoji="1" lang="en-US" altLang="zh-CN" dirty="0"/>
+              <a:t>Task 3: </a:t>
+            </a:r>
+            <a:r>
+              <a:rPr kumimoji="1" lang="en-US" altLang="zh-CN" dirty="0" err="1"/>
+              <a:t>EmoContext</a:t>
+            </a:r>
+            <a:r>
+              <a:rPr kumimoji="1" lang="en-US" altLang="zh-CN" dirty="0"/>
+              <a:t>: Contextual Emotion Detection in Text</a:t>
+            </a:r>
+            <a:endParaRPr kumimoji="1" lang="zh-CN" altLang="en-US" dirty="0"/>
+          </a:p>
+        </p:txBody>
+      </p:sp>
+      <p:sp>
+        <p:nvSpPr>
+          <p:cNvPr id="3" name="内容占位符 2"/>
+          <p:cNvSpPr>
+            <a:spLocks noGrp="1"/>
+          </p:cNvSpPr>
+          <p:nvPr>
+            <p:ph idx="1"/>
+          </p:nvPr>
+        </p:nvSpPr>
+        <p:spPr/>
+        <p:txBody>
+          <a:bodyPr>
+            <a:normAutofit/>
+          </a:bodyPr>
+          <a:lstStyle/>
+          <a:p>
+            <a:endParaRPr kumimoji="1" lang="en-US" altLang="zh-CN" dirty="0"/>
+          </a:p>
+          <a:p>
+            <a:r>
+              <a:rPr lang="en-US" altLang="zh-CN" dirty="0"/>
+              <a:t>Task Description</a:t>
+            </a:r>
+          </a:p>
+          <a:p>
+            <a:pPr lvl="1"/>
+            <a:r>
+              <a:rPr lang="en-US" altLang="zh-CN" dirty="0"/>
+              <a:t>In this task, you are given a </a:t>
+            </a:r>
+            <a:r>
+              <a:rPr lang="en-US" altLang="zh-CN" b="1" dirty="0">
+                <a:solidFill>
+                  <a:srgbClr val="FF0000"/>
+                </a:solidFill>
+              </a:rPr>
+              <a:t>textual dialogue </a:t>
+            </a:r>
+            <a:r>
+              <a:rPr lang="en-US" altLang="zh-CN" dirty="0"/>
+              <a:t>i.e. a user utterance along with </a:t>
+            </a:r>
+            <a:r>
+              <a:rPr lang="en-US" altLang="zh-CN" b="1" dirty="0">
+                <a:solidFill>
+                  <a:srgbClr val="FF0000"/>
+                </a:solidFill>
+              </a:rPr>
+              <a:t>two turns of context</a:t>
+            </a:r>
+            <a:r>
+              <a:rPr lang="en-US" altLang="zh-CN" dirty="0"/>
+              <a:t>, you have to classify the emotion of user utterance as one of the emotion classes: </a:t>
+            </a:r>
+            <a:r>
+              <a:rPr lang="en-US" altLang="zh-CN" b="1" dirty="0">
+                <a:solidFill>
+                  <a:srgbClr val="FF0000"/>
+                </a:solidFill>
+              </a:rPr>
+              <a:t>Happy, Sad, Angry or Others</a:t>
+            </a:r>
+            <a:r>
+              <a:rPr lang="en-US" altLang="zh-CN" b="1" dirty="0">
+                <a:solidFill>
+                  <a:srgbClr val="0070C0"/>
+                </a:solidFill>
+              </a:rPr>
+              <a:t>. ​</a:t>
+            </a:r>
+            <a:r>
+              <a:rPr lang="en-US" altLang="zh-CN" dirty="0"/>
+              <a:t/>
+            </a:r>
+            <a:br>
+              <a:rPr lang="en-US" altLang="zh-CN" dirty="0"/>
+            </a:br>
+            <a:r>
+              <a:rPr lang="en-US" altLang="zh-CN" dirty="0"/>
+              <a:t>​</a:t>
+            </a:r>
+          </a:p>
+          <a:p>
+            <a:r>
+              <a:rPr lang="en-US" altLang="zh-CN" dirty="0"/>
+              <a:t>Data Set</a:t>
+            </a:r>
+          </a:p>
+          <a:p>
+            <a:pPr lvl="1"/>
+            <a:r>
+              <a:rPr lang="en-US" altLang="zh-CN" dirty="0"/>
+              <a:t>The training data set will contain 15K records for emotion classes i.e., Happy, Sad and Angry combined. </a:t>
+            </a:r>
+            <a:endParaRPr lang="en-US" altLang="zh-CN" dirty="0" smtClean="0"/>
+          </a:p>
+          <a:p>
+            <a:pPr lvl="1"/>
+            <a:r>
+              <a:rPr lang="en-US" altLang="zh-CN" dirty="0" smtClean="0"/>
+              <a:t>It </a:t>
+            </a:r>
+            <a:r>
+              <a:rPr lang="en-US" altLang="zh-CN" dirty="0"/>
+              <a:t>also contains 15K records not belonging to any of the aforementioned emotion classes</a:t>
+            </a:r>
+            <a:r>
+              <a:rPr lang="en-US" altLang="zh-CN" dirty="0" smtClean="0"/>
+              <a:t>.</a:t>
+            </a:r>
+          </a:p>
+          <a:p>
+            <a:endParaRPr kumimoji="1" lang="en-US" altLang="zh-CN" dirty="0" smtClean="0"/>
+          </a:p>
+          <a:p>
+            <a:r>
+              <a:rPr kumimoji="1" lang="en-US" altLang="zh-CN" dirty="0">
+                <a:hlinkClick r:id="rId2"/>
+              </a:rPr>
+              <a:t>https://www.humanizing-ai.com/emocontext.html</a:t>
+            </a:r>
+            <a:endParaRPr kumimoji="1" lang="en-US" altLang="zh-CN" dirty="0"/>
+          </a:p>
+          <a:p>
+            <a:endParaRPr kumimoji="1" lang="zh-CN" altLang="en-US" dirty="0"/>
+          </a:p>
+        </p:txBody>
+      </p:sp>
+    </p:spTree>
+    <p:extLst>
+      <p:ext uri="{BB962C8B-B14F-4D97-AF65-F5344CB8AC3E}">
+        <p14:creationId xmlns:p14="http://schemas.microsoft.com/office/powerpoint/2010/main" val="1435678784"/>
+      </p:ext>
+    </p:extLst>
+  </p:cSld>
+  <p:clrMapOvr>
+    <a:masterClrMapping/>
+  </p:clrMapOvr>
+</p:sld>
+</file>
+
+<file path=ppt/slides/slide4.xml><?xml version="1.0" encoding="utf-8"?>
+<p:sld xmlns:a="http://schemas.openxmlformats.org/drawingml/2006/main" xmlns:r="http://schemas.openxmlformats.org/officeDocument/2006/relationships" xmlns:p="http://schemas.openxmlformats.org/presentationml/2006/main">
+  <p:cSld>
+    <p:spTree>
+      <p:nvGrpSpPr>
+        <p:cNvPr id="1" name=""/>
+        <p:cNvGrpSpPr/>
+        <p:nvPr/>
+      </p:nvGrpSpPr>
+      <p:grpSpPr>
+        <a:xfrm>
+          <a:off x="0" y="0"/>
+          <a:ext cx="0" cy="0"/>
+          <a:chOff x="0" y="0"/>
+          <a:chExt cx="0" cy="0"/>
+        </a:xfrm>
+      </p:grpSpPr>
+      <p:sp>
+        <p:nvSpPr>
+          <p:cNvPr id="2" name="标题 1"/>
+          <p:cNvSpPr>
+            <a:spLocks noGrp="1"/>
+          </p:cNvSpPr>
+          <p:nvPr>
+            <p:ph type="title"/>
+          </p:nvPr>
+        </p:nvSpPr>
+        <p:spPr/>
+        <p:txBody>
+          <a:bodyPr/>
+          <a:lstStyle/>
+          <a:p>
+            <a:r>
+              <a:rPr kumimoji="1" lang="en-US" altLang="zh-CN" dirty="0"/>
+              <a:t>Task 3: </a:t>
+            </a:r>
+            <a:r>
+              <a:rPr kumimoji="1" lang="en-US" altLang="zh-CN" dirty="0" err="1"/>
+              <a:t>EmoContext</a:t>
+            </a:r>
+            <a:r>
+              <a:rPr kumimoji="1" lang="en-US" altLang="zh-CN" dirty="0"/>
+              <a:t>: Contextual Emotion Detection in Text</a:t>
+            </a:r>
+            <a:endParaRPr kumimoji="1" lang="zh-CN" altLang="en-US" dirty="0"/>
+          </a:p>
+        </p:txBody>
+      </p:sp>
+      <p:sp>
+        <p:nvSpPr>
+          <p:cNvPr id="3" name="内容占位符 2"/>
+          <p:cNvSpPr>
+            <a:spLocks noGrp="1"/>
+          </p:cNvSpPr>
+          <p:nvPr>
+            <p:ph idx="1"/>
+          </p:nvPr>
+        </p:nvSpPr>
+        <p:spPr>
+          <a:xfrm>
+            <a:off x="1097280" y="1864395"/>
+            <a:ext cx="10058400" cy="4023360"/>
+          </a:xfrm>
+        </p:spPr>
+        <p:txBody>
+          <a:bodyPr/>
+          <a:lstStyle/>
+          <a:p>
+            <a:r>
+              <a:rPr kumimoji="1" lang="en-US" altLang="zh-CN" dirty="0" err="1"/>
+              <a:t>t</a:t>
+            </a:r>
+            <a:r>
+              <a:rPr kumimoji="1" lang="en-US" altLang="zh-CN" dirty="0" err="1" smtClean="0"/>
+              <a:t>rain.txt</a:t>
+            </a:r>
+            <a:endParaRPr kumimoji="1" lang="en-US" altLang="zh-CN" dirty="0" smtClean="0"/>
+          </a:p>
+          <a:p>
+            <a:endParaRPr kumimoji="1" lang="en-US" altLang="zh-CN" dirty="0"/>
+          </a:p>
+          <a:p>
+            <a:endParaRPr kumimoji="1" lang="en-US" altLang="zh-CN" dirty="0" smtClean="0"/>
+          </a:p>
+          <a:p>
+            <a:endParaRPr kumimoji="1" lang="en-US" altLang="zh-CN" dirty="0"/>
+          </a:p>
+          <a:p>
+            <a:endParaRPr kumimoji="1" lang="en-US" altLang="zh-CN" dirty="0" smtClean="0"/>
+          </a:p>
+          <a:p>
+            <a:endParaRPr kumimoji="1" lang="en-US" altLang="zh-CN" dirty="0" smtClean="0"/>
+          </a:p>
+          <a:p>
+            <a:r>
+              <a:rPr kumimoji="1" lang="en-US" altLang="zh-CN" dirty="0" err="1" smtClean="0"/>
+              <a:t>devwithoutlabels.txt</a:t>
+            </a:r>
+            <a:endParaRPr kumimoji="1" lang="zh-CN" altLang="en-US" dirty="0"/>
+          </a:p>
+        </p:txBody>
+      </p:sp>
+      <p:graphicFrame>
+        <p:nvGraphicFramePr>
+          <p:cNvPr id="7" name="表格 6"/>
+          <p:cNvGraphicFramePr>
+            <a:graphicFrameLocks noGrp="1"/>
+          </p:cNvGraphicFramePr>
+          <p:nvPr>
+            <p:extLst>
+              <p:ext uri="{D42A27DB-BD31-4B8C-83A1-F6EECF244321}">
+                <p14:modId xmlns:p14="http://schemas.microsoft.com/office/powerpoint/2010/main" val="85725372"/>
+              </p:ext>
+            </p:extLst>
+          </p:nvPr>
+        </p:nvGraphicFramePr>
+        <p:xfrm>
+          <a:off x="1232397" y="3672610"/>
+          <a:ext cx="2831324" cy="518160"/>
+        </p:xfrm>
+        <a:graphic>
+          <a:graphicData uri="http://schemas.openxmlformats.org/drawingml/2006/table">
+            <a:tbl>
+              <a:tblPr firstRow="1" bandRow="1">
+                <a:tableStyleId>{5C22544A-7EE6-4342-B048-85BDC9FD1C3A}</a:tableStyleId>
+              </a:tblPr>
+              <a:tblGrid>
+                <a:gridCol w="707831"/>
+                <a:gridCol w="707831"/>
+                <a:gridCol w="707831"/>
+                <a:gridCol w="707831"/>
+              </a:tblGrid>
+              <a:tr h="227996">
+                <a:tc>
+                  <a:txBody>
+                    <a:bodyPr/>
+                    <a:lstStyle/>
+                    <a:p>
+                      <a:r>
+                        <a:rPr lang="en-US" altLang="zh-CN" sz="1100" dirty="0" smtClean="0"/>
+                        <a:t>Happy</a:t>
+                      </a:r>
+                      <a:endParaRPr lang="zh-CN" altLang="en-US" sz="1100" dirty="0"/>
+                    </a:p>
+                  </a:txBody>
+                  <a:tcPr/>
+                </a:tc>
+                <a:tc>
+                  <a:txBody>
+                    <a:bodyPr/>
+                    <a:lstStyle/>
+                    <a:p>
+                      <a:r>
+                        <a:rPr lang="en-US" altLang="zh-CN" sz="1100" dirty="0" smtClean="0"/>
+                        <a:t>Angry</a:t>
+                      </a:r>
+                      <a:endParaRPr lang="zh-CN" altLang="en-US" sz="1100" dirty="0"/>
+                    </a:p>
+                  </a:txBody>
+                  <a:tcPr/>
+                </a:tc>
+                <a:tc>
+                  <a:txBody>
+                    <a:bodyPr/>
+                    <a:lstStyle/>
+                    <a:p>
+                      <a:r>
+                        <a:rPr lang="en-US" altLang="zh-CN" sz="1100" dirty="0" smtClean="0"/>
+                        <a:t>Sad</a:t>
+                      </a:r>
+                      <a:endParaRPr lang="zh-CN" altLang="en-US" sz="1100" dirty="0"/>
+                    </a:p>
+                  </a:txBody>
+                  <a:tcPr/>
+                </a:tc>
+                <a:tc>
+                  <a:txBody>
+                    <a:bodyPr/>
+                    <a:lstStyle/>
+                    <a:p>
+                      <a:r>
+                        <a:rPr lang="en-US" altLang="zh-CN" sz="1100" dirty="0" smtClean="0"/>
+                        <a:t>Others</a:t>
+                      </a:r>
+                      <a:endParaRPr lang="zh-CN" altLang="en-US" sz="1100" dirty="0"/>
+                    </a:p>
+                  </a:txBody>
+                  <a:tcPr/>
+                </a:tc>
+              </a:tr>
+              <a:tr h="227996">
+                <a:tc>
+                  <a:txBody>
+                    <a:bodyPr/>
+                    <a:lstStyle/>
+                    <a:p>
+                      <a:r>
+                        <a:rPr lang="en-US" altLang="zh-CN" sz="1100" dirty="0" smtClean="0"/>
+                        <a:t>4243</a:t>
+                      </a:r>
+                      <a:endParaRPr lang="zh-CN" altLang="en-US" sz="1100" dirty="0"/>
+                    </a:p>
+                  </a:txBody>
+                  <a:tcPr/>
+                </a:tc>
+                <a:tc>
+                  <a:txBody>
+                    <a:bodyPr/>
+                    <a:lstStyle/>
+                    <a:p>
+                      <a:r>
+                        <a:rPr lang="en-US" altLang="zh-CN" sz="1100" dirty="0" smtClean="0"/>
+                        <a:t>5506</a:t>
+                      </a:r>
+                      <a:endParaRPr lang="zh-CN" altLang="en-US" sz="1100" dirty="0"/>
+                    </a:p>
+                  </a:txBody>
+                  <a:tcPr/>
+                </a:tc>
+                <a:tc>
+                  <a:txBody>
+                    <a:bodyPr/>
+                    <a:lstStyle/>
+                    <a:p>
+                      <a:r>
+                        <a:rPr lang="en-US" altLang="zh-CN" sz="1100" dirty="0" smtClean="0"/>
+                        <a:t>5463</a:t>
+                      </a:r>
+                      <a:endParaRPr lang="zh-CN" altLang="en-US" sz="1100" dirty="0"/>
+                    </a:p>
+                  </a:txBody>
+                  <a:tcPr/>
+                </a:tc>
+                <a:tc>
+                  <a:txBody>
+                    <a:bodyPr/>
+                    <a:lstStyle/>
+                    <a:p>
+                      <a:r>
+                        <a:rPr lang="en-US" altLang="zh-CN" sz="1100" dirty="0" smtClean="0"/>
+                        <a:t>14948</a:t>
+                      </a:r>
+                      <a:endParaRPr lang="zh-CN" altLang="en-US" sz="1100" dirty="0"/>
+                    </a:p>
+                  </a:txBody>
+                  <a:tcPr/>
+                </a:tc>
+              </a:tr>
+            </a:tbl>
+          </a:graphicData>
+        </a:graphic>
+      </p:graphicFrame>
+      <p:pic>
+        <p:nvPicPr>
+          <p:cNvPr id="8" name="图片 7"/>
+          <p:cNvPicPr>
+            <a:picLocks noChangeAspect="1"/>
+          </p:cNvPicPr>
+          <p:nvPr/>
+        </p:nvPicPr>
+        <p:blipFill rotWithShape="1">
+          <a:blip r:embed="rId3">
+            <a:extLst>
+              <a:ext uri="{28A0092B-C50C-407E-A947-70E740481C1C}">
+                <a14:useLocalDpi xmlns:a14="http://schemas.microsoft.com/office/drawing/2010/main" val="0"/>
+              </a:ext>
+            </a:extLst>
+          </a:blip>
+          <a:srcRect t="11390"/>
+          <a:stretch/>
+        </p:blipFill>
+        <p:spPr>
+          <a:xfrm>
+            <a:off x="1190412" y="2239290"/>
+            <a:ext cx="7731196" cy="1278294"/>
+          </a:xfrm>
+          <a:prstGeom prst="rect">
+            <a:avLst/>
+          </a:prstGeom>
+        </p:spPr>
+      </p:pic>
+      <p:pic>
+        <p:nvPicPr>
+          <p:cNvPr id="9" name="图片 8"/>
+          <p:cNvPicPr>
+            <a:picLocks noChangeAspect="1"/>
+          </p:cNvPicPr>
+          <p:nvPr/>
+        </p:nvPicPr>
+        <p:blipFill rotWithShape="1">
+          <a:blip r:embed="rId4">
+            <a:extLst>
+              <a:ext uri="{28A0092B-C50C-407E-A947-70E740481C1C}">
+                <a14:useLocalDpi xmlns:a14="http://schemas.microsoft.com/office/drawing/2010/main" val="0"/>
+              </a:ext>
+            </a:extLst>
+          </a:blip>
+          <a:srcRect t="2722"/>
+          <a:stretch/>
+        </p:blipFill>
+        <p:spPr>
+          <a:xfrm>
+            <a:off x="1190412" y="4922519"/>
+            <a:ext cx="6479160" cy="1272397"/>
+          </a:xfrm>
+          <a:prstGeom prst="rect">
+            <a:avLst/>
+          </a:prstGeom>
+        </p:spPr>
+      </p:pic>
+    </p:spTree>
+    <p:extLst>
+      <p:ext uri="{BB962C8B-B14F-4D97-AF65-F5344CB8AC3E}">
+        <p14:creationId xmlns:p14="http://schemas.microsoft.com/office/powerpoint/2010/main" val="924466226"/>
+      </p:ext>
+    </p:extLst>
+  </p:cSld>
+  <p:clrMapOvr>
+    <a:masterClrMapping/>
+  </p:clrMapOvr>
+</p:sld>
+</file>
+
+<file path=ppt/slides/slide5.xml><?xml version="1.0" encoding="utf-8"?>
+<p:sld xmlns:a="http://schemas.openxmlformats.org/drawingml/2006/main" xmlns:r="http://schemas.openxmlformats.org/officeDocument/2006/relationships" xmlns:p="http://schemas.openxmlformats.org/presentationml/2006/main">
+  <p:cSld>
+    <p:spTree>
+      <p:nvGrpSpPr>
+        <p:cNvPr id="1" name=""/>
+        <p:cNvGrpSpPr/>
+        <p:nvPr/>
+      </p:nvGrpSpPr>
+      <p:grpSpPr>
+        <a:xfrm>
+          <a:off x="0" y="0"/>
+          <a:ext cx="0" cy="0"/>
+          <a:chOff x="0" y="0"/>
+          <a:chExt cx="0" cy="0"/>
+        </a:xfrm>
+      </p:grpSpPr>
+      <p:sp>
+        <p:nvSpPr>
+          <p:cNvPr id="2" name="标题 1"/>
+          <p:cNvSpPr>
+            <a:spLocks noGrp="1"/>
+          </p:cNvSpPr>
+          <p:nvPr>
+            <p:ph type="title"/>
+          </p:nvPr>
+        </p:nvSpPr>
+        <p:spPr/>
+        <p:txBody>
+          <a:bodyPr/>
+          <a:lstStyle/>
+          <a:p>
+            <a:r>
+              <a:rPr kumimoji="1" lang="en-US" altLang="zh-CN" dirty="0"/>
+              <a:t>Task 4: </a:t>
+            </a:r>
+            <a:r>
+              <a:rPr kumimoji="1" lang="en-US" altLang="zh-CN" dirty="0" err="1"/>
+              <a:t>Hyperpartisan</a:t>
+            </a:r>
+            <a:r>
+              <a:rPr kumimoji="1" lang="en-US" altLang="zh-CN" dirty="0"/>
+              <a:t> News Detection</a:t>
+            </a:r>
+            <a:endParaRPr kumimoji="1" lang="zh-CN" altLang="en-US" dirty="0"/>
+          </a:p>
+        </p:txBody>
+      </p:sp>
+      <p:sp>
+        <p:nvSpPr>
+          <p:cNvPr id="3" name="内容占位符 2"/>
+          <p:cNvSpPr>
+            <a:spLocks noGrp="1"/>
+          </p:cNvSpPr>
+          <p:nvPr>
+            <p:ph idx="1"/>
+          </p:nvPr>
+        </p:nvSpPr>
+        <p:spPr/>
+        <p:txBody>
+          <a:bodyPr>
+            <a:normAutofit fontScale="92500"/>
+          </a:bodyPr>
+          <a:lstStyle/>
+          <a:p>
+            <a:endParaRPr lang="en-US" altLang="zh-CN" dirty="0" smtClean="0"/>
+          </a:p>
+          <a:p>
+            <a:r>
+              <a:rPr lang="en-US" altLang="zh-CN" dirty="0" smtClean="0"/>
+              <a:t>Task</a:t>
+            </a:r>
+            <a:endParaRPr lang="en-US" altLang="zh-CN" dirty="0"/>
+          </a:p>
+          <a:p>
+            <a:pPr lvl="1"/>
+            <a:r>
+              <a:rPr lang="en-US" altLang="zh-CN" dirty="0"/>
+              <a:t>Given a news article text, decide whether it follows a </a:t>
+            </a:r>
+            <a:r>
+              <a:rPr lang="en-US" altLang="zh-CN" dirty="0" smtClean="0">
+                <a:hlinkClick r:id="rId2"/>
+              </a:rPr>
+              <a:t>hyperpartisan</a:t>
+            </a:r>
+            <a:r>
+              <a:rPr lang="en-US" altLang="zh-CN" dirty="0" smtClean="0"/>
+              <a:t>(</a:t>
+            </a:r>
+            <a:r>
+              <a:rPr lang="zh-CN" altLang="en-US" dirty="0"/>
+              <a:t>偏袒的</a:t>
+            </a:r>
+            <a:r>
+              <a:rPr lang="en-US" altLang="zh-CN" dirty="0" smtClean="0"/>
+              <a:t>)</a:t>
+            </a:r>
+            <a:r>
+              <a:rPr lang="en-US" altLang="zh-CN" dirty="0"/>
+              <a:t> argumentation, i.e., whether it exhibits blind, prejudiced, or unreasoning </a:t>
+            </a:r>
+            <a:r>
+              <a:rPr lang="en-US" altLang="zh-CN" dirty="0" smtClean="0"/>
+              <a:t>allegiance(</a:t>
+            </a:r>
+            <a:r>
+              <a:rPr lang="zh-CN" altLang="en-US" dirty="0"/>
+              <a:t>忠诚</a:t>
+            </a:r>
+            <a:r>
+              <a:rPr lang="en-US" altLang="zh-CN" dirty="0" smtClean="0"/>
+              <a:t>) </a:t>
+            </a:r>
+            <a:r>
+              <a:rPr lang="en-US" altLang="zh-CN" dirty="0"/>
+              <a:t>to one party, faction, cause, or person.</a:t>
+            </a:r>
+          </a:p>
+          <a:p>
+            <a:r>
+              <a:rPr lang="en-US" altLang="zh-CN" dirty="0"/>
+              <a:t>Data (September 2018)</a:t>
+            </a:r>
+          </a:p>
+          <a:p>
+            <a:pPr lvl="1"/>
+            <a:r>
+              <a:rPr lang="en-US" altLang="zh-CN" dirty="0"/>
+              <a:t>We will provide 1 million articles labeled by the overall tendency of the publisher for training your algorithm</a:t>
+            </a:r>
+            <a:r>
+              <a:rPr lang="en-US" altLang="zh-CN" dirty="0" smtClean="0"/>
+              <a:t>.</a:t>
+            </a:r>
+          </a:p>
+          <a:p>
+            <a:pPr lvl="1"/>
+            <a:r>
+              <a:rPr lang="en-US" altLang="zh-CN" dirty="0" smtClean="0"/>
+              <a:t>Upon</a:t>
+            </a:r>
+            <a:r>
+              <a:rPr lang="en-US" altLang="zh-CN" dirty="0"/>
+              <a:t> </a:t>
+            </a:r>
+            <a:r>
+              <a:rPr lang="en-US" altLang="zh-CN" dirty="0">
+                <a:hlinkClick r:id="rId3"/>
+              </a:rPr>
+              <a:t>registration</a:t>
+            </a:r>
+            <a:r>
+              <a:rPr lang="en-US" altLang="zh-CN" dirty="0"/>
+              <a:t> we provide you with a trial dataset (may take up to 24 hours). We continuously clean the dataset (also based on your feedback) and will send you new versions as they come out.</a:t>
+            </a:r>
+          </a:p>
+          <a:p>
+            <a:endParaRPr kumimoji="1" lang="en-US" altLang="zh-CN" dirty="0" smtClean="0"/>
+          </a:p>
+          <a:p>
+            <a:endParaRPr kumimoji="1" lang="en-US" altLang="zh-CN" dirty="0" smtClean="0"/>
+          </a:p>
+          <a:p>
+            <a:r>
+              <a:rPr lang="en-US" altLang="zh-CN" dirty="0">
+                <a:hlinkClick r:id="rId4"/>
+              </a:rPr>
+              <a:t>https://pan.webis.de/semeval19/semeval19-web</a:t>
+            </a:r>
+            <a:r>
+              <a:rPr lang="en-US" altLang="zh-CN" dirty="0" smtClean="0">
+                <a:hlinkClick r:id="rId4"/>
+              </a:rPr>
+              <a:t>/</a:t>
+            </a:r>
+            <a:endParaRPr lang="en-US" altLang="zh-CN" dirty="0" smtClean="0"/>
+          </a:p>
+          <a:p>
+            <a:endParaRPr kumimoji="1" lang="en-US" altLang="zh-CN" dirty="0"/>
+          </a:p>
+        </p:txBody>
+      </p:sp>
+    </p:spTree>
+    <p:extLst>
+      <p:ext uri="{BB962C8B-B14F-4D97-AF65-F5344CB8AC3E}">
+        <p14:creationId xmlns:p14="http://schemas.microsoft.com/office/powerpoint/2010/main" val="677597913"/>
+      </p:ext>
+    </p:extLst>
+  </p:cSld>
+  <p:clrMapOvr>
+    <a:masterClrMapping/>
+  </p:clrMapOvr>
+</p:sld>
+</file>
+
+<file path=ppt/slides/slide6.xml><?xml version="1.0" encoding="utf-8"?>
+<p:sld xmlns:a="http://schemas.openxmlformats.org/drawingml/2006/main" xmlns:r="http://schemas.openxmlformats.org/officeDocument/2006/relationships" xmlns:p="http://schemas.openxmlformats.org/presentationml/2006/main">
+  <p:cSld>
+    <p:spTree>
+      <p:nvGrpSpPr>
+        <p:cNvPr id="1" name=""/>
+        <p:cNvGrpSpPr/>
+        <p:nvPr/>
+      </p:nvGrpSpPr>
+      <p:grpSpPr>
+        <a:xfrm>
+          <a:off x="0" y="0"/>
+          <a:ext cx="0" cy="0"/>
+          <a:chOff x="0" y="0"/>
+          <a:chExt cx="0" cy="0"/>
+        </a:xfrm>
+      </p:grpSpPr>
+      <p:sp>
+        <p:nvSpPr>
+          <p:cNvPr id="2" name="标题 1"/>
+          <p:cNvSpPr>
+            <a:spLocks noGrp="1"/>
+          </p:cNvSpPr>
+          <p:nvPr>
+            <p:ph type="title"/>
+          </p:nvPr>
+        </p:nvSpPr>
+        <p:spPr/>
+        <p:txBody>
+          <a:bodyPr>
+            <a:normAutofit/>
+          </a:bodyPr>
+          <a:lstStyle/>
+          <a:p>
+            <a:r>
+              <a:rPr lang="en-US" altLang="zh-CN" dirty="0" smtClean="0"/>
+              <a:t>Task </a:t>
+            </a:r>
+            <a:r>
+              <a:rPr lang="en-US" altLang="zh-CN" dirty="0"/>
+              <a:t>5 - Shared Task on Multilingual Detection of </a:t>
+            </a:r>
+            <a:r>
+              <a:rPr lang="en-US" altLang="zh-CN" dirty="0" smtClean="0"/>
+              <a:t>Hate (</a:t>
+            </a:r>
+            <a:r>
+              <a:rPr lang="en-US" altLang="zh-CN" dirty="0" err="1"/>
+              <a:t>hatEval</a:t>
+            </a:r>
+            <a:r>
+              <a:rPr lang="en-US" altLang="zh-CN" dirty="0"/>
+              <a:t>)</a:t>
+            </a:r>
+          </a:p>
+        </p:txBody>
+      </p:sp>
+      <p:sp>
+        <p:nvSpPr>
+          <p:cNvPr id="3" name="内容占位符 2"/>
+          <p:cNvSpPr>
+            <a:spLocks noGrp="1"/>
+          </p:cNvSpPr>
+          <p:nvPr>
+            <p:ph idx="1"/>
+          </p:nvPr>
+        </p:nvSpPr>
+        <p:spPr/>
+        <p:txBody>
+          <a:bodyPr>
+            <a:normAutofit/>
+          </a:bodyPr>
+          <a:lstStyle/>
+          <a:p>
+            <a:endParaRPr lang="en-US" altLang="zh-CN" dirty="0" smtClean="0"/>
+          </a:p>
+          <a:p>
+            <a:r>
+              <a:rPr lang="en-US" altLang="zh-CN" dirty="0" smtClean="0"/>
+              <a:t>Hate </a:t>
+            </a:r>
+            <a:r>
+              <a:rPr lang="en-US" altLang="zh-CN" dirty="0"/>
+              <a:t>Speech is commonly </a:t>
+            </a:r>
+            <a:r>
+              <a:rPr lang="en-US" altLang="zh-CN" b="1" dirty="0">
+                <a:solidFill>
+                  <a:srgbClr val="FF0000"/>
+                </a:solidFill>
+              </a:rPr>
+              <a:t>defined</a:t>
+            </a:r>
+            <a:r>
+              <a:rPr lang="en-US" altLang="zh-CN" dirty="0"/>
+              <a:t> as any communication that </a:t>
+            </a:r>
+            <a:r>
+              <a:rPr lang="en-US" altLang="zh-CN" b="1" dirty="0" smtClean="0">
+                <a:solidFill>
+                  <a:srgbClr val="FF0000"/>
+                </a:solidFill>
+              </a:rPr>
+              <a:t>disparages </a:t>
+            </a:r>
+            <a:r>
+              <a:rPr lang="en-US" altLang="zh-CN" dirty="0" smtClean="0">
+                <a:solidFill>
+                  <a:srgbClr val="404040"/>
+                </a:solidFill>
+              </a:rPr>
+              <a:t>(</a:t>
+            </a:r>
+            <a:r>
+              <a:rPr lang="zh-CN" altLang="en-US" dirty="0">
+                <a:solidFill>
+                  <a:srgbClr val="404040"/>
+                </a:solidFill>
+              </a:rPr>
+              <a:t>贬低</a:t>
+            </a:r>
+            <a:r>
+              <a:rPr lang="en-US" altLang="zh-CN" dirty="0" smtClean="0">
+                <a:solidFill>
+                  <a:srgbClr val="404040"/>
+                </a:solidFill>
+              </a:rPr>
+              <a:t>) </a:t>
+            </a:r>
+            <a:r>
+              <a:rPr lang="en-US" altLang="zh-CN" dirty="0"/>
+              <a:t>a </a:t>
+            </a:r>
+            <a:r>
+              <a:rPr lang="en-US" altLang="zh-CN" b="1" dirty="0">
+                <a:solidFill>
+                  <a:srgbClr val="FF0000"/>
+                </a:solidFill>
+              </a:rPr>
+              <a:t>person or a group </a:t>
+            </a:r>
+            <a:r>
+              <a:rPr lang="en-US" altLang="zh-CN" dirty="0"/>
+              <a:t>on the basis of some </a:t>
+            </a:r>
+            <a:r>
+              <a:rPr lang="en-US" altLang="zh-CN" b="1" dirty="0" smtClean="0">
+                <a:solidFill>
+                  <a:srgbClr val="FF0000"/>
+                </a:solidFill>
+              </a:rPr>
+              <a:t>characteristic</a:t>
+            </a:r>
+            <a:endParaRPr lang="en-US" altLang="zh-CN" dirty="0" smtClean="0"/>
+          </a:p>
+          <a:p>
+            <a:pPr lvl="1"/>
+            <a:r>
+              <a:rPr lang="en-US" altLang="zh-CN" dirty="0" smtClean="0"/>
+              <a:t>such </a:t>
+            </a:r>
+            <a:r>
+              <a:rPr lang="en-US" altLang="zh-CN" dirty="0"/>
+              <a:t>as race, color, ethnicity, gender, sexual orientation, nationality, religion, or other characteristics. </a:t>
+            </a:r>
+          </a:p>
+          <a:p>
+            <a:endParaRPr lang="en-US" altLang="zh-CN" dirty="0" smtClean="0"/>
+          </a:p>
+          <a:p>
+            <a:r>
+              <a:rPr lang="en-US" altLang="zh-CN" dirty="0" smtClean="0"/>
+              <a:t>The </a:t>
+            </a:r>
+            <a:r>
+              <a:rPr lang="en-US" altLang="zh-CN" dirty="0"/>
+              <a:t>proposed task consists in Hate Speech detection in </a:t>
+            </a:r>
+            <a:r>
+              <a:rPr lang="en-US" altLang="zh-CN" dirty="0">
+                <a:solidFill>
+                  <a:srgbClr val="FF0000"/>
+                </a:solidFill>
+              </a:rPr>
+              <a:t>Twitter</a:t>
+            </a:r>
+            <a:r>
+              <a:rPr lang="en-US" altLang="zh-CN" dirty="0"/>
+              <a:t> </a:t>
+            </a:r>
+            <a:endParaRPr lang="en-US" altLang="zh-CN" dirty="0" smtClean="0"/>
+          </a:p>
+          <a:p>
+            <a:pPr lvl="1"/>
+            <a:r>
+              <a:rPr lang="en-US" altLang="zh-CN" dirty="0" smtClean="0"/>
+              <a:t>featured </a:t>
+            </a:r>
+            <a:r>
+              <a:rPr lang="en-US" altLang="zh-CN" dirty="0"/>
+              <a:t>by two specific different targets, </a:t>
+            </a:r>
+            <a:r>
+              <a:rPr lang="en-US" altLang="zh-CN" b="1" dirty="0">
+                <a:solidFill>
+                  <a:srgbClr val="FF0000"/>
+                </a:solidFill>
+              </a:rPr>
+              <a:t>immigrants</a:t>
+            </a:r>
+            <a:r>
+              <a:rPr lang="en-US" altLang="zh-CN" dirty="0"/>
+              <a:t> and </a:t>
+            </a:r>
+            <a:r>
+              <a:rPr lang="en-US" altLang="zh-CN" b="1" dirty="0" smtClean="0">
+                <a:solidFill>
+                  <a:srgbClr val="FF0000"/>
+                </a:solidFill>
+              </a:rPr>
+              <a:t>women</a:t>
+            </a:r>
+            <a:endParaRPr lang="en-US" altLang="zh-CN" dirty="0" smtClean="0">
+              <a:solidFill>
+                <a:srgbClr val="FF0000"/>
+              </a:solidFill>
+            </a:endParaRPr>
+          </a:p>
+          <a:p>
+            <a:pPr lvl="1"/>
+            <a:r>
+              <a:rPr lang="en-US" altLang="zh-CN" dirty="0" smtClean="0"/>
+              <a:t>in </a:t>
+            </a:r>
+            <a:r>
+              <a:rPr lang="en-US" altLang="zh-CN" dirty="0"/>
+              <a:t>a multilingual perspective, for </a:t>
+            </a:r>
+            <a:r>
+              <a:rPr lang="en-US" altLang="zh-CN" b="1" dirty="0">
+                <a:solidFill>
+                  <a:srgbClr val="FF0000"/>
+                </a:solidFill>
+              </a:rPr>
+              <a:t>Spanish</a:t>
+            </a:r>
+            <a:r>
+              <a:rPr lang="en-US" altLang="zh-CN" dirty="0"/>
+              <a:t> and </a:t>
+            </a:r>
+            <a:r>
+              <a:rPr lang="en-US" altLang="zh-CN" b="1" dirty="0">
+                <a:solidFill>
+                  <a:srgbClr val="FF0000"/>
+                </a:solidFill>
+              </a:rPr>
+              <a:t>English</a:t>
+            </a:r>
+            <a:r>
+              <a:rPr lang="en-US" altLang="zh-CN" dirty="0"/>
+              <a:t>. </a:t>
+            </a:r>
+            <a:endParaRPr lang="en-US" altLang="zh-CN" dirty="0" smtClean="0"/>
+          </a:p>
+          <a:p>
+            <a:endParaRPr lang="en-US" altLang="zh-CN" dirty="0" smtClean="0"/>
+          </a:p>
+          <a:p>
+            <a:r>
+              <a:rPr lang="en-US" altLang="zh-CN" dirty="0">
+                <a:hlinkClick r:id="rId2"/>
+              </a:rPr>
+              <a:t>https://</a:t>
+            </a:r>
+            <a:r>
+              <a:rPr lang="en-US" altLang="zh-CN" dirty="0" smtClean="0">
+                <a:hlinkClick r:id="rId2"/>
+              </a:rPr>
+              <a:t>competitions.codalab.org/competitions/19935</a:t>
+            </a:r>
+            <a:endParaRPr lang="en-US" altLang="zh-CN" dirty="0"/>
+          </a:p>
+          <a:p>
+            <a:endParaRPr lang="en-US" altLang="zh-CN" dirty="0" smtClean="0"/>
+          </a:p>
+        </p:txBody>
+      </p:sp>
+    </p:spTree>
+    <p:extLst>
+      <p:ext uri="{BB962C8B-B14F-4D97-AF65-F5344CB8AC3E}">
+        <p14:creationId xmlns:p14="http://schemas.microsoft.com/office/powerpoint/2010/main" val="608736846"/>
+      </p:ext>
+    </p:extLst>
+  </p:cSld>
+  <p:clrMapOvr>
+    <a:masterClrMapping/>
+  </p:clrMapOvr>
+</p:sld>
+</file>
+
+<file path=ppt/slides/slide7.xml><?xml version="1.0" encoding="utf-8"?>
+<p:sld xmlns:a="http://schemas.openxmlformats.org/drawingml/2006/main" xmlns:r="http://schemas.openxmlformats.org/officeDocument/2006/relationships" xmlns:p="http://schemas.openxmlformats.org/presentationml/2006/main">
+  <p:cSld>
+    <p:spTree>
+      <p:nvGrpSpPr>
+        <p:cNvPr id="1" name=""/>
+        <p:cNvGrpSpPr/>
+        <p:nvPr/>
+      </p:nvGrpSpPr>
+      <p:grpSpPr>
+        <a:xfrm>
+          <a:off x="0" y="0"/>
+          <a:ext cx="0" cy="0"/>
+          <a:chOff x="0" y="0"/>
+          <a:chExt cx="0" cy="0"/>
+        </a:xfrm>
+      </p:grpSpPr>
+      <p:sp>
+        <p:nvSpPr>
+          <p:cNvPr id="2" name="标题 1"/>
+          <p:cNvSpPr>
+            <a:spLocks noGrp="1"/>
+          </p:cNvSpPr>
+          <p:nvPr>
+            <p:ph type="title"/>
+          </p:nvPr>
+        </p:nvSpPr>
+        <p:spPr/>
+        <p:txBody>
+          <a:bodyPr>
+            <a:normAutofit/>
+          </a:bodyPr>
+          <a:lstStyle/>
+          <a:p>
+            <a:r>
+              <a:rPr lang="en-US" altLang="zh-CN" dirty="0" smtClean="0"/>
+              <a:t>Task </a:t>
+            </a:r>
+            <a:r>
+              <a:rPr lang="en-US" altLang="zh-CN" dirty="0"/>
+              <a:t>5 - Shared Task on Multilingual Detection of </a:t>
+            </a:r>
+            <a:r>
+              <a:rPr lang="en-US" altLang="zh-CN" dirty="0"/>
+              <a:t>Hate (</a:t>
+            </a:r>
+            <a:r>
+              <a:rPr lang="en-US" altLang="zh-CN" dirty="0" err="1"/>
+              <a:t>hatEval</a:t>
+            </a:r>
+            <a:r>
+              <a:rPr lang="en-US" altLang="zh-CN" dirty="0"/>
+              <a:t>)</a:t>
+            </a:r>
+            <a:endParaRPr kumimoji="1" lang="zh-CN" altLang="en-US" dirty="0"/>
+          </a:p>
+        </p:txBody>
+      </p:sp>
+      <p:sp>
+        <p:nvSpPr>
+          <p:cNvPr id="3" name="内容占位符 2"/>
+          <p:cNvSpPr>
+            <a:spLocks noGrp="1"/>
+          </p:cNvSpPr>
+          <p:nvPr>
+            <p:ph idx="1"/>
+          </p:nvPr>
+        </p:nvSpPr>
+        <p:spPr/>
+        <p:txBody>
+          <a:bodyPr/>
+          <a:lstStyle/>
+          <a:p>
+            <a:endParaRPr lang="en-US" altLang="zh-CN" b="1" dirty="0" smtClean="0"/>
+          </a:p>
+          <a:p>
+            <a:r>
+              <a:rPr lang="en-US" altLang="zh-CN" b="1" dirty="0" smtClean="0"/>
+              <a:t>TASK </a:t>
+            </a:r>
+            <a:r>
+              <a:rPr lang="en-US" altLang="zh-CN" b="1" dirty="0"/>
+              <a:t>A - Hate Speech Detection against Immigrants and </a:t>
+            </a:r>
+            <a:r>
+              <a:rPr lang="en-US" altLang="zh-CN" b="1" dirty="0" smtClean="0"/>
+              <a:t>Women</a:t>
+            </a:r>
+          </a:p>
+          <a:p>
+            <a:pPr lvl="1"/>
+            <a:r>
+              <a:rPr lang="en-US" altLang="zh-CN" dirty="0" smtClean="0"/>
+              <a:t>a </a:t>
+            </a:r>
+            <a:r>
+              <a:rPr lang="en-US" altLang="zh-CN" dirty="0"/>
+              <a:t>two-class (or binary) </a:t>
+            </a:r>
+            <a:r>
+              <a:rPr lang="en-US" altLang="zh-CN" dirty="0" smtClean="0"/>
+              <a:t>classification</a:t>
+            </a:r>
+          </a:p>
+          <a:p>
+            <a:pPr lvl="2"/>
+            <a:r>
+              <a:rPr lang="en-US" altLang="zh-CN" dirty="0" smtClean="0">
+                <a:solidFill>
+                  <a:srgbClr val="404040"/>
+                </a:solidFill>
+              </a:rPr>
+              <a:t>whether </a:t>
+            </a:r>
+            <a:r>
+              <a:rPr lang="en-US" altLang="zh-CN" dirty="0">
+                <a:solidFill>
+                  <a:srgbClr val="404040"/>
+                </a:solidFill>
+              </a:rPr>
+              <a:t>a tweet in English or in Spanish with a </a:t>
+            </a:r>
+            <a:r>
+              <a:rPr lang="en-US" altLang="zh-CN" b="1" dirty="0">
+                <a:solidFill>
+                  <a:srgbClr val="FF0000"/>
+                </a:solidFill>
+              </a:rPr>
+              <a:t>given target</a:t>
+            </a:r>
+            <a:r>
+              <a:rPr lang="en-US" altLang="zh-CN" dirty="0">
+                <a:solidFill>
+                  <a:srgbClr val="404040"/>
+                </a:solidFill>
+              </a:rPr>
+              <a:t> (women or immigrants) is </a:t>
+            </a:r>
+            <a:r>
+              <a:rPr lang="en-US" altLang="zh-CN" b="1" dirty="0">
+                <a:solidFill>
+                  <a:srgbClr val="FF0000"/>
+                </a:solidFill>
+              </a:rPr>
+              <a:t>hateful</a:t>
+            </a:r>
+            <a:r>
+              <a:rPr lang="en-US" altLang="zh-CN" dirty="0">
+                <a:solidFill>
+                  <a:srgbClr val="404040"/>
+                </a:solidFill>
+              </a:rPr>
+              <a:t> or </a:t>
+            </a:r>
+            <a:r>
+              <a:rPr lang="en-US" altLang="zh-CN" b="1" dirty="0">
+                <a:solidFill>
+                  <a:srgbClr val="FF0000"/>
+                </a:solidFill>
+              </a:rPr>
+              <a:t>not hateful</a:t>
+            </a:r>
+            <a:r>
+              <a:rPr lang="en-US" altLang="zh-CN" dirty="0">
+                <a:solidFill>
+                  <a:srgbClr val="404040"/>
+                </a:solidFill>
+              </a:rPr>
+              <a:t>.</a:t>
+            </a:r>
+          </a:p>
+          <a:p>
+            <a:endParaRPr lang="en-US" altLang="zh-CN" b="1" dirty="0" smtClean="0"/>
+          </a:p>
+          <a:p>
+            <a:r>
+              <a:rPr lang="en-US" altLang="zh-CN" b="1" dirty="0" smtClean="0"/>
+              <a:t>TASK </a:t>
+            </a:r>
+            <a:r>
+              <a:rPr lang="en-US" altLang="zh-CN" b="1" dirty="0"/>
+              <a:t>B - </a:t>
+            </a:r>
+            <a:r>
+              <a:rPr lang="en-US" altLang="zh-CN" b="1" dirty="0">
+                <a:solidFill>
+                  <a:srgbClr val="FF0000"/>
+                </a:solidFill>
+              </a:rPr>
+              <a:t>Aggressive</a:t>
+            </a:r>
+            <a:r>
+              <a:rPr lang="en-US" altLang="zh-CN" b="1" dirty="0"/>
+              <a:t> behavior and </a:t>
+            </a:r>
+            <a:r>
+              <a:rPr lang="en-US" altLang="zh-CN" b="1" dirty="0">
+                <a:solidFill>
+                  <a:srgbClr val="FF0000"/>
+                </a:solidFill>
+              </a:rPr>
+              <a:t>Target</a:t>
+            </a:r>
+            <a:r>
+              <a:rPr lang="en-US" altLang="zh-CN" b="1" dirty="0"/>
+              <a:t> </a:t>
+            </a:r>
+            <a:r>
+              <a:rPr lang="en-US" altLang="zh-CN" b="1" dirty="0" smtClean="0"/>
+              <a:t>Classification</a:t>
+            </a:r>
+          </a:p>
+          <a:p>
+            <a:pPr lvl="1"/>
+            <a:r>
+              <a:rPr lang="en-US" altLang="zh-CN" dirty="0" smtClean="0">
+                <a:solidFill>
+                  <a:schemeClr val="tx1"/>
+                </a:solidFill>
+              </a:rPr>
+              <a:t>first </a:t>
+            </a:r>
+            <a:r>
+              <a:rPr lang="en-US" altLang="zh-CN" dirty="0">
+                <a:solidFill>
+                  <a:schemeClr val="tx1"/>
+                </a:solidFill>
+              </a:rPr>
+              <a:t>to classify </a:t>
+            </a:r>
+            <a:r>
+              <a:rPr lang="en-US" altLang="zh-CN" b="1" dirty="0">
+                <a:solidFill>
+                  <a:srgbClr val="FF0000"/>
+                </a:solidFill>
+              </a:rPr>
+              <a:t>hateful</a:t>
+            </a:r>
+            <a:r>
+              <a:rPr lang="en-US" altLang="zh-CN" dirty="0">
+                <a:solidFill>
+                  <a:schemeClr val="tx1"/>
+                </a:solidFill>
+              </a:rPr>
+              <a:t> </a:t>
+            </a:r>
+            <a:r>
+              <a:rPr lang="en-US" altLang="zh-CN" b="1" dirty="0">
+                <a:solidFill>
+                  <a:srgbClr val="FF0000"/>
+                </a:solidFill>
+              </a:rPr>
+              <a:t>tweets</a:t>
+            </a:r>
+            <a:r>
+              <a:rPr lang="en-US" altLang="zh-CN" dirty="0">
+                <a:solidFill>
+                  <a:schemeClr val="tx1"/>
+                </a:solidFill>
+              </a:rPr>
+              <a:t> </a:t>
+            </a:r>
+            <a:r>
+              <a:rPr lang="en-US" altLang="zh-CN" dirty="0"/>
+              <a:t>for English and Spanish (e.g., tweets where Hate Speech against women or immigrants has been </a:t>
+            </a:r>
+            <a:r>
+              <a:rPr lang="en-US" altLang="zh-CN" dirty="0">
+                <a:solidFill>
+                  <a:srgbClr val="404040"/>
+                </a:solidFill>
+              </a:rPr>
+              <a:t>identified) as </a:t>
+            </a:r>
+            <a:r>
+              <a:rPr lang="en-US" altLang="zh-CN" b="1" dirty="0">
+                <a:solidFill>
+                  <a:srgbClr val="FF0000"/>
+                </a:solidFill>
+              </a:rPr>
+              <a:t>aggressive</a:t>
+            </a:r>
+            <a:r>
+              <a:rPr lang="en-US" altLang="zh-CN" dirty="0">
+                <a:solidFill>
+                  <a:srgbClr val="404040"/>
+                </a:solidFill>
+              </a:rPr>
+              <a:t> or </a:t>
+            </a:r>
+            <a:r>
+              <a:rPr lang="en-US" altLang="zh-CN" b="1" dirty="0">
+                <a:solidFill>
+                  <a:srgbClr val="FF0000"/>
+                </a:solidFill>
+              </a:rPr>
+              <a:t>not </a:t>
+            </a:r>
+            <a:r>
+              <a:rPr lang="en-US" altLang="zh-CN" b="1" dirty="0" smtClean="0">
+                <a:solidFill>
+                  <a:srgbClr val="FF0000"/>
+                </a:solidFill>
+              </a:rPr>
+              <a:t>aggressive</a:t>
+            </a:r>
+          </a:p>
+          <a:p>
+            <a:pPr lvl="1"/>
+            <a:r>
+              <a:rPr lang="en-US" altLang="zh-CN" dirty="0" smtClean="0"/>
+              <a:t>second </a:t>
+            </a:r>
+            <a:r>
+              <a:rPr lang="en-US" altLang="zh-CN" dirty="0"/>
+              <a:t>to identify the </a:t>
+            </a:r>
+            <a:r>
+              <a:rPr lang="en-US" altLang="zh-CN" b="1" dirty="0">
+                <a:solidFill>
+                  <a:srgbClr val="FF0000"/>
+                </a:solidFill>
+              </a:rPr>
+              <a:t>target</a:t>
+            </a:r>
+            <a:r>
+              <a:rPr lang="en-US" altLang="zh-CN" dirty="0"/>
+              <a:t> </a:t>
+            </a:r>
+            <a:r>
+              <a:rPr lang="en-US" altLang="zh-CN" b="1" dirty="0">
+                <a:solidFill>
+                  <a:srgbClr val="FF0000"/>
+                </a:solidFill>
+              </a:rPr>
+              <a:t>harassed</a:t>
+            </a:r>
+            <a:r>
+              <a:rPr lang="en-US" altLang="zh-CN" dirty="0">
+                <a:solidFill>
+                  <a:srgbClr val="404040"/>
+                </a:solidFill>
+              </a:rPr>
+              <a:t> as </a:t>
+            </a:r>
+            <a:r>
+              <a:rPr lang="en-US" altLang="zh-CN" b="1" dirty="0">
+                <a:solidFill>
+                  <a:srgbClr val="FF0000"/>
+                </a:solidFill>
+              </a:rPr>
+              <a:t>individual</a:t>
+            </a:r>
+            <a:r>
+              <a:rPr lang="en-US" altLang="zh-CN" dirty="0">
+                <a:solidFill>
+                  <a:srgbClr val="FF0000"/>
+                </a:solidFill>
+              </a:rPr>
+              <a:t> </a:t>
+            </a:r>
+            <a:r>
+              <a:rPr lang="en-US" altLang="zh-CN" dirty="0">
+                <a:solidFill>
+                  <a:srgbClr val="404040"/>
+                </a:solidFill>
+              </a:rPr>
+              <a:t>or </a:t>
+            </a:r>
+            <a:r>
+              <a:rPr lang="en-US" altLang="zh-CN" b="1" dirty="0">
+                <a:solidFill>
+                  <a:srgbClr val="FF0000"/>
+                </a:solidFill>
+              </a:rPr>
+              <a:t>generic</a:t>
+            </a:r>
+            <a:r>
+              <a:rPr lang="en-US" altLang="zh-CN" dirty="0">
+                <a:solidFill>
+                  <a:srgbClr val="404040"/>
+                </a:solidFill>
+              </a:rPr>
+              <a:t> (i.e. single </a:t>
+            </a:r>
+            <a:r>
+              <a:rPr lang="en-US" altLang="zh-CN" dirty="0"/>
+              <a:t>human or group).</a:t>
+            </a:r>
+          </a:p>
+          <a:p>
+            <a:endParaRPr kumimoji="1" lang="zh-CN" altLang="en-US" dirty="0"/>
+          </a:p>
+          <a:p>
+            <a:endParaRPr kumimoji="1" lang="zh-CN" altLang="en-US" dirty="0"/>
+          </a:p>
+        </p:txBody>
+      </p:sp>
+    </p:spTree>
+    <p:extLst>
+      <p:ext uri="{BB962C8B-B14F-4D97-AF65-F5344CB8AC3E}">
+        <p14:creationId xmlns:p14="http://schemas.microsoft.com/office/powerpoint/2010/main" val="1303744786"/>
+      </p:ext>
+    </p:extLst>
+  </p:cSld>
+  <p:clrMapOvr>
+    <a:masterClrMapping/>
+  </p:clrMapOvr>
+</p:sld>
+</file>
+
+<file path=ppt/slides/slide8.xml><?xml version="1.0" encoding="utf-8"?>
+<p:sld xmlns:a="http://schemas.openxmlformats.org/drawingml/2006/main" xmlns:r="http://schemas.openxmlformats.org/officeDocument/2006/relationships" xmlns:p="http://schemas.openxmlformats.org/presentationml/2006/main">
+  <p:cSld>
+    <p:spTree>
+      <p:nvGrpSpPr>
+        <p:cNvPr id="1" name=""/>
+        <p:cNvGrpSpPr/>
+        <p:nvPr/>
+      </p:nvGrpSpPr>
+      <p:grpSpPr>
+        <a:xfrm>
+          <a:off x="0" y="0"/>
+          <a:ext cx="0" cy="0"/>
+          <a:chOff x="0" y="0"/>
+          <a:chExt cx="0" cy="0"/>
+        </a:xfrm>
+      </p:grpSpPr>
+      <p:sp>
+        <p:nvSpPr>
+          <p:cNvPr id="2" name="标题 1"/>
+          <p:cNvSpPr>
+            <a:spLocks noGrp="1"/>
+          </p:cNvSpPr>
+          <p:nvPr>
+            <p:ph type="title"/>
+          </p:nvPr>
+        </p:nvSpPr>
+        <p:spPr/>
+        <p:txBody>
+          <a:bodyPr/>
+          <a:lstStyle/>
+          <a:p>
+            <a:r>
+              <a:rPr lang="en-US" altLang="zh-CN" dirty="0"/>
+              <a:t>Task 5 - Shared Task on Multilingual Detection of Hate (</a:t>
+            </a:r>
+            <a:r>
+              <a:rPr lang="en-US" altLang="zh-CN" dirty="0" err="1"/>
+              <a:t>hatEval</a:t>
+            </a:r>
+            <a:r>
+              <a:rPr lang="en-US" altLang="zh-CN" dirty="0"/>
+              <a:t>)</a:t>
+            </a:r>
+            <a:endParaRPr kumimoji="1" lang="zh-CN" altLang="en-US" dirty="0"/>
+          </a:p>
+        </p:txBody>
+      </p:sp>
+      <p:sp>
+        <p:nvSpPr>
+          <p:cNvPr id="3" name="内容占位符 2"/>
+          <p:cNvSpPr>
+            <a:spLocks noGrp="1"/>
+          </p:cNvSpPr>
+          <p:nvPr>
+            <p:ph idx="1"/>
+          </p:nvPr>
+        </p:nvSpPr>
+        <p:spPr/>
+        <p:txBody>
+          <a:bodyPr/>
+          <a:lstStyle/>
+          <a:p>
+            <a:r>
+              <a:rPr kumimoji="1" lang="en-US" altLang="zh-CN" dirty="0" err="1" smtClean="0"/>
+              <a:t>public_development_en</a:t>
+            </a:r>
+            <a:r>
+              <a:rPr kumimoji="1" lang="en-US" altLang="zh-CN" dirty="0" smtClean="0"/>
+              <a:t>/</a:t>
+            </a:r>
+            <a:r>
+              <a:rPr kumimoji="1" lang="en-US" altLang="zh-CN" dirty="0" err="1" smtClean="0"/>
+              <a:t>train_en.tsv</a:t>
+            </a:r>
+            <a:endParaRPr kumimoji="1" lang="en-US" altLang="zh-CN" dirty="0" smtClean="0"/>
+          </a:p>
+          <a:p>
+            <a:endParaRPr kumimoji="1" lang="en-US" altLang="zh-CN" dirty="0" smtClean="0"/>
+          </a:p>
+          <a:p>
+            <a:endParaRPr kumimoji="1" lang="en-US" altLang="zh-CN" dirty="0" smtClean="0"/>
+          </a:p>
+          <a:p>
+            <a:r>
+              <a:rPr kumimoji="1" lang="en-US" altLang="zh-CN" dirty="0" err="1" smtClean="0"/>
+              <a:t>public_development_en</a:t>
+            </a:r>
+            <a:r>
+              <a:rPr kumimoji="1" lang="en-US" altLang="zh-CN" dirty="0" smtClean="0"/>
+              <a:t>/</a:t>
+            </a:r>
+            <a:r>
+              <a:rPr kumimoji="1" lang="en-US" altLang="zh-CN" dirty="0" err="1" smtClean="0"/>
+              <a:t>dev_en.tsv</a:t>
+            </a:r>
+            <a:endParaRPr kumimoji="1" lang="en-US" altLang="zh-CN" dirty="0" smtClean="0"/>
+          </a:p>
+          <a:p>
+            <a:endParaRPr kumimoji="1" lang="en-US" altLang="zh-CN" dirty="0"/>
+          </a:p>
+          <a:p>
+            <a:endParaRPr kumimoji="1" lang="en-US" altLang="zh-CN" dirty="0" smtClean="0"/>
+          </a:p>
+          <a:p>
+            <a:endParaRPr kumimoji="1" lang="en-US" altLang="zh-CN" dirty="0"/>
+          </a:p>
+          <a:p>
+            <a:r>
+              <a:rPr kumimoji="1" lang="en-US" altLang="zh-CN" dirty="0" err="1" smtClean="0"/>
+              <a:t>publich_trial</a:t>
+            </a:r>
+            <a:r>
+              <a:rPr kumimoji="1" lang="en-US" altLang="zh-CN" dirty="0" smtClean="0"/>
+              <a:t>/</a:t>
+            </a:r>
+            <a:r>
+              <a:rPr kumimoji="1" lang="en-US" altLang="zh-CN" dirty="0" err="1" smtClean="0"/>
+              <a:t>trial_en.tsv</a:t>
+            </a:r>
+            <a:endParaRPr kumimoji="1" lang="zh-CN" altLang="en-US" dirty="0"/>
+          </a:p>
+        </p:txBody>
+      </p:sp>
+      <p:pic>
+        <p:nvPicPr>
+          <p:cNvPr id="4" name="图片 3"/>
+          <p:cNvPicPr>
+            <a:picLocks noChangeAspect="1"/>
+          </p:cNvPicPr>
+          <p:nvPr/>
+        </p:nvPicPr>
+        <p:blipFill rotWithShape="1">
+          <a:blip r:embed="rId2">
+            <a:extLst>
+              <a:ext uri="{28A0092B-C50C-407E-A947-70E740481C1C}">
+                <a14:useLocalDpi xmlns:a14="http://schemas.microsoft.com/office/drawing/2010/main" val="0"/>
+              </a:ext>
+            </a:extLst>
+          </a:blip>
+          <a:srcRect b="18077"/>
+          <a:stretch/>
+        </p:blipFill>
+        <p:spPr>
+          <a:xfrm>
+            <a:off x="1557867" y="2237431"/>
+            <a:ext cx="6708663" cy="936799"/>
+          </a:xfrm>
+          <a:prstGeom prst="rect">
+            <a:avLst/>
+          </a:prstGeom>
+        </p:spPr>
+      </p:pic>
+      <p:pic>
+        <p:nvPicPr>
+          <p:cNvPr id="5" name="图片 4"/>
+          <p:cNvPicPr>
+            <a:picLocks noChangeAspect="1"/>
+          </p:cNvPicPr>
+          <p:nvPr/>
+        </p:nvPicPr>
+        <p:blipFill rotWithShape="1">
+          <a:blip r:embed="rId3">
+            <a:extLst>
+              <a:ext uri="{28A0092B-C50C-407E-A947-70E740481C1C}">
+                <a14:useLocalDpi xmlns:a14="http://schemas.microsoft.com/office/drawing/2010/main" val="0"/>
+              </a:ext>
+            </a:extLst>
+          </a:blip>
+          <a:srcRect b="12462"/>
+          <a:stretch/>
+        </p:blipFill>
+        <p:spPr>
+          <a:xfrm>
+            <a:off x="1557867" y="3652541"/>
+            <a:ext cx="6835140" cy="1001012"/>
+          </a:xfrm>
+          <a:prstGeom prst="rect">
+            <a:avLst/>
+          </a:prstGeom>
+        </p:spPr>
+      </p:pic>
+      <p:pic>
+        <p:nvPicPr>
+          <p:cNvPr id="6" name="图片 5"/>
+          <p:cNvPicPr>
+            <a:picLocks noChangeAspect="1"/>
+          </p:cNvPicPr>
+          <p:nvPr/>
+        </p:nvPicPr>
+        <p:blipFill rotWithShape="1">
+          <a:blip r:embed="rId4">
+            <a:extLst>
+              <a:ext uri="{28A0092B-C50C-407E-A947-70E740481C1C}">
+                <a14:useLocalDpi xmlns:a14="http://schemas.microsoft.com/office/drawing/2010/main" val="0"/>
+              </a:ext>
+            </a:extLst>
+          </a:blip>
+          <a:srcRect t="55200" b="10696"/>
+          <a:stretch/>
+        </p:blipFill>
+        <p:spPr>
+          <a:xfrm>
+            <a:off x="1557867" y="5412886"/>
+            <a:ext cx="6835140" cy="738608"/>
+          </a:xfrm>
+          <a:prstGeom prst="rect">
+            <a:avLst/>
+          </a:prstGeom>
+        </p:spPr>
+      </p:pic>
+    </p:spTree>
+    <p:extLst>
+      <p:ext uri="{BB962C8B-B14F-4D97-AF65-F5344CB8AC3E}">
+        <p14:creationId xmlns:p14="http://schemas.microsoft.com/office/powerpoint/2010/main" val="1227932948"/>
+      </p:ext>
+    </p:extLst>
+  </p:cSld>
+  <p:clrMapOvr>
+    <a:masterClrMapping/>
+  </p:clrMapOvr>
+</p:sld>
+</file>
+
+<file path=ppt/slides/slide9.xml><?xml version="1.0" encoding="utf-8"?>
+<p:sld xmlns:a="http://schemas.openxmlformats.org/drawingml/2006/main" xmlns:r="http://schemas.openxmlformats.org/officeDocument/2006/relationships" xmlns:p="http://schemas.openxmlformats.org/presentationml/2006/main">
+  <p:cSld>
+    <p:spTree>
+      <p:nvGrpSpPr>
+        <p:cNvPr id="1" name=""/>
+        <p:cNvGrpSpPr/>
+        <p:nvPr/>
+      </p:nvGrpSpPr>
+      <p:grpSpPr>
+        <a:xfrm>
+          <a:off x="0" y="0"/>
+          <a:ext cx="0" cy="0"/>
+          <a:chOff x="0" y="0"/>
+          <a:chExt cx="0" cy="0"/>
+        </a:xfrm>
+      </p:grpSpPr>
+      <p:sp>
+        <p:nvSpPr>
+          <p:cNvPr id="2" name="标题 1"/>
+          <p:cNvSpPr>
+            <a:spLocks noGrp="1"/>
+          </p:cNvSpPr>
+          <p:nvPr>
+            <p:ph type="title"/>
+          </p:nvPr>
+        </p:nvSpPr>
+        <p:spPr/>
+        <p:txBody>
+          <a:bodyPr>
+            <a:normAutofit/>
+          </a:bodyPr>
+          <a:lstStyle/>
+          <a:p>
+            <a:r>
+              <a:rPr kumimoji="1" lang="en-US" altLang="zh-CN" sz="4000" dirty="0"/>
+              <a:t>Task 6: </a:t>
+            </a:r>
+            <a:r>
+              <a:rPr kumimoji="1" lang="en-US" altLang="zh-CN" sz="4000" dirty="0" err="1"/>
+              <a:t>OffensEval</a:t>
+            </a:r>
+            <a:r>
+              <a:rPr kumimoji="1" lang="en-US" altLang="zh-CN" sz="4000" dirty="0"/>
+              <a:t>: Identifying and Categorizing Offensive Language in Social Media</a:t>
+            </a:r>
+          </a:p>
+        </p:txBody>
+      </p:sp>
+      <p:sp>
+        <p:nvSpPr>
+          <p:cNvPr id="3" name="内容占位符 2"/>
+          <p:cNvSpPr>
+            <a:spLocks noGrp="1"/>
+          </p:cNvSpPr>
+          <p:nvPr>
+            <p:ph idx="1"/>
+          </p:nvPr>
+        </p:nvSpPr>
+        <p:spPr/>
+        <p:txBody>
+          <a:bodyPr>
+            <a:normAutofit/>
+          </a:bodyPr>
+          <a:lstStyle/>
+          <a:p>
+            <a:endParaRPr kumimoji="1" lang="en-US" altLang="zh-CN" dirty="0" smtClean="0"/>
+          </a:p>
+          <a:p>
+            <a:r>
+              <a:rPr kumimoji="1" lang="en-US" altLang="zh-CN" dirty="0" smtClean="0"/>
+              <a:t>Motivation</a:t>
+            </a:r>
+          </a:p>
+          <a:p>
+            <a:pPr lvl="1"/>
+            <a:r>
+              <a:rPr lang="en-US" altLang="zh-CN" dirty="0" smtClean="0"/>
+              <a:t>Offensive </a:t>
+            </a:r>
+            <a:r>
+              <a:rPr lang="en-US" altLang="zh-CN" dirty="0"/>
+              <a:t>language is pervasive in social media. Individuals frequently take advantage of the perceived </a:t>
+            </a:r>
+            <a:r>
+              <a:rPr lang="en-US" altLang="zh-CN" b="1" dirty="0" smtClean="0">
+                <a:solidFill>
+                  <a:srgbClr val="0070C0"/>
+                </a:solidFill>
+              </a:rPr>
+              <a:t>anonymity</a:t>
+            </a:r>
+            <a:r>
+              <a:rPr lang="en-US" altLang="zh-CN" dirty="0" smtClean="0">
+                <a:solidFill>
+                  <a:schemeClr val="tx1"/>
+                </a:solidFill>
+              </a:rPr>
+              <a:t>(</a:t>
+            </a:r>
+            <a:r>
+              <a:rPr lang="zh-CN" altLang="en-US" dirty="0">
+                <a:solidFill>
+                  <a:schemeClr val="tx1"/>
+                </a:solidFill>
+              </a:rPr>
+              <a:t>匿名</a:t>
+            </a:r>
+            <a:r>
+              <a:rPr lang="en-US" altLang="zh-CN" dirty="0" smtClean="0">
+                <a:solidFill>
+                  <a:schemeClr val="tx1"/>
+                </a:solidFill>
+              </a:rPr>
+              <a:t>)</a:t>
+            </a:r>
+            <a:r>
+              <a:rPr lang="en-US" altLang="zh-CN" dirty="0" smtClean="0"/>
+              <a:t> </a:t>
+            </a:r>
+            <a:r>
+              <a:rPr lang="en-US" altLang="zh-CN" dirty="0"/>
+              <a:t>of computer-mediated communication, using this to engage in </a:t>
+            </a:r>
+            <a:r>
+              <a:rPr lang="en-US" altLang="zh-CN" dirty="0" err="1"/>
+              <a:t>behaviour</a:t>
+            </a:r>
+            <a:r>
+              <a:rPr lang="en-US" altLang="zh-CN" dirty="0"/>
+              <a:t> that many of them would not consider in real life. Online communities, social media platforms, and technology companies have been investing heavily in ways to </a:t>
+            </a:r>
+            <a:r>
+              <a:rPr lang="en-US" altLang="zh-CN" b="1" dirty="0">
+                <a:solidFill>
+                  <a:srgbClr val="0070C0"/>
+                </a:solidFill>
+              </a:rPr>
+              <a:t>cope with </a:t>
+            </a:r>
+            <a:r>
+              <a:rPr lang="en-US" altLang="zh-CN" b="1" dirty="0" smtClean="0">
+                <a:solidFill>
+                  <a:srgbClr val="0070C0"/>
+                </a:solidFill>
+              </a:rPr>
+              <a:t>offensive(</a:t>
+            </a:r>
+            <a:r>
+              <a:rPr lang="zh-CN" altLang="en-US" b="1" dirty="0">
+                <a:solidFill>
+                  <a:srgbClr val="0070C0"/>
+                </a:solidFill>
+              </a:rPr>
+              <a:t>冒犯的</a:t>
+            </a:r>
+            <a:r>
+              <a:rPr lang="en-US" altLang="zh-CN" b="1" dirty="0" smtClean="0">
+                <a:solidFill>
+                  <a:srgbClr val="0070C0"/>
+                </a:solidFill>
+              </a:rPr>
+              <a:t>) </a:t>
+            </a:r>
+            <a:r>
+              <a:rPr lang="en-US" altLang="zh-CN" b="1" dirty="0">
+                <a:solidFill>
+                  <a:srgbClr val="0070C0"/>
+                </a:solidFill>
+              </a:rPr>
+              <a:t>language to prevent </a:t>
+            </a:r>
+            <a:r>
+              <a:rPr lang="en-US" altLang="zh-CN" b="1" dirty="0" smtClean="0">
+                <a:solidFill>
+                  <a:srgbClr val="0070C0"/>
+                </a:solidFill>
+              </a:rPr>
+              <a:t>abusive </a:t>
+            </a:r>
+            <a:r>
+              <a:rPr lang="en-US" altLang="zh-CN" b="1" dirty="0" err="1">
+                <a:solidFill>
+                  <a:srgbClr val="0070C0"/>
+                </a:solidFill>
+              </a:rPr>
+              <a:t>behaviour</a:t>
+            </a:r>
+            <a:r>
+              <a:rPr lang="en-US" altLang="zh-CN" dirty="0"/>
+              <a:t> in social media.</a:t>
+            </a:r>
+          </a:p>
+          <a:p>
+            <a:pPr lvl="1"/>
+            <a:r>
+              <a:rPr lang="en-US" altLang="zh-CN" dirty="0" smtClean="0"/>
+              <a:t>In </a:t>
+            </a:r>
+            <a:r>
+              <a:rPr lang="en-US" altLang="zh-CN" dirty="0" err="1"/>
+              <a:t>OffensEval</a:t>
+            </a:r>
+            <a:r>
+              <a:rPr lang="en-US" altLang="zh-CN" dirty="0"/>
+              <a:t> we break down offensive content into three sub-tasks taking the </a:t>
+            </a:r>
+            <a:r>
+              <a:rPr lang="en-US" altLang="zh-CN" b="1" dirty="0"/>
+              <a:t>type</a:t>
+            </a:r>
+            <a:r>
+              <a:rPr lang="en-US" altLang="zh-CN" dirty="0"/>
+              <a:t> and </a:t>
+            </a:r>
+            <a:r>
+              <a:rPr lang="en-US" altLang="zh-CN" b="1" dirty="0"/>
+              <a:t>target</a:t>
+            </a:r>
+            <a:r>
+              <a:rPr lang="en-US" altLang="zh-CN" dirty="0"/>
+              <a:t> of offenses into </a:t>
+            </a:r>
+            <a:r>
+              <a:rPr lang="en-US" altLang="zh-CN" dirty="0" smtClean="0"/>
+              <a:t>account.</a:t>
+            </a:r>
+          </a:p>
+          <a:p>
+            <a:pPr lvl="1"/>
+            <a:endParaRPr kumimoji="1" lang="en-US" altLang="zh-CN" dirty="0" smtClean="0"/>
+          </a:p>
+          <a:p>
+            <a:r>
+              <a:rPr kumimoji="1" lang="en-US" altLang="zh-CN" dirty="0" smtClean="0">
+                <a:hlinkClick r:id="rId2"/>
+              </a:rPr>
+              <a:t>https</a:t>
+            </a:r>
+            <a:r>
+              <a:rPr kumimoji="1" lang="en-US" altLang="zh-CN" dirty="0">
+                <a:hlinkClick r:id="rId2"/>
+              </a:rPr>
+              <a:t>://</a:t>
+            </a:r>
+            <a:r>
+              <a:rPr kumimoji="1" lang="en-US" altLang="zh-CN" dirty="0" smtClean="0">
+                <a:hlinkClick r:id="rId2"/>
+              </a:rPr>
+              <a:t>competitions.codalab.org/competitions/20011</a:t>
+            </a:r>
+            <a:endParaRPr kumimoji="1" lang="zh-CN" altLang="en-US" dirty="0"/>
+          </a:p>
+          <a:p>
+            <a:endParaRPr lang="en-US" altLang="zh-CN" dirty="0"/>
+          </a:p>
+        </p:txBody>
+      </p:sp>
+    </p:spTree>
+    <p:extLst>
+      <p:ext uri="{BB962C8B-B14F-4D97-AF65-F5344CB8AC3E}">
+        <p14:creationId xmlns:p14="http://schemas.microsoft.com/office/powerpoint/2010/main" val="2122787002"/>
+      </p:ext>
+    </p:extLst>
+  </p:cSld>
+  <p:clrMapOvr>
+    <a:masterClrMapping/>
+  </p:clrMapOvr>
 </p:sld>
 </file>
 
